--- a/Проектная работа.pptx
+++ b/Проектная работа.pptx
@@ -4,21 +4,25 @@
   <p:sldMasterIdLst>
     <p:sldMasterId id="2147483648" r:id="rId1"/>
   </p:sldMasterIdLst>
+  <p:notesMasterIdLst>
+    <p:notesMasterId r:id="rId17"/>
+  </p:notesMasterIdLst>
   <p:sldIdLst>
     <p:sldId id="256" r:id="rId2"/>
     <p:sldId id="257" r:id="rId3"/>
-    <p:sldId id="258" r:id="rId4"/>
-    <p:sldId id="259" r:id="rId5"/>
-    <p:sldId id="260" r:id="rId6"/>
-    <p:sldId id="261" r:id="rId7"/>
-    <p:sldId id="262" r:id="rId8"/>
-    <p:sldId id="263" r:id="rId9"/>
-    <p:sldId id="264" r:id="rId10"/>
-    <p:sldId id="265" r:id="rId11"/>
-    <p:sldId id="266" r:id="rId12"/>
-    <p:sldId id="267" r:id="rId13"/>
-    <p:sldId id="268" r:id="rId14"/>
-    <p:sldId id="269" r:id="rId15"/>
+    <p:sldId id="270" r:id="rId4"/>
+    <p:sldId id="258" r:id="rId5"/>
+    <p:sldId id="259" r:id="rId6"/>
+    <p:sldId id="260" r:id="rId7"/>
+    <p:sldId id="261" r:id="rId8"/>
+    <p:sldId id="262" r:id="rId9"/>
+    <p:sldId id="263" r:id="rId10"/>
+    <p:sldId id="264" r:id="rId11"/>
+    <p:sldId id="265" r:id="rId12"/>
+    <p:sldId id="266" r:id="rId13"/>
+    <p:sldId id="267" r:id="rId14"/>
+    <p:sldId id="268" r:id="rId15"/>
+    <p:sldId id="269" r:id="rId16"/>
   </p:sldIdLst>
   <p:sldSz cx="12192000" cy="6858000"/>
   <p:notesSz cx="6858000" cy="9144000"/>
@@ -117,7 +121,362 @@
       </a:defRPr>
     </a:lvl9pPr>
   </p:defaultTextStyle>
+  <p:extLst>
+    <p:ext uri="{EFAFB233-063F-42B5-8137-9DF3F51BA10A}">
+      <p15:sldGuideLst xmlns:p15="http://schemas.microsoft.com/office/powerpoint/2012/main"/>
+    </p:ext>
+  </p:extLst>
 </p:presentation>
+</file>
+
+<file path=ppt/notesMasters/notesMaster1.xml><?xml version="1.0" encoding="utf-8"?>
+<p:notesMaster xmlns:a="http://schemas.openxmlformats.org/drawingml/2006/main" xmlns:r="http://schemas.openxmlformats.org/officeDocument/2006/relationships" xmlns:p="http://schemas.openxmlformats.org/presentationml/2006/main">
+  <p:cSld>
+    <p:bg>
+      <p:bgRef idx="1001">
+        <a:schemeClr val="bg1"/>
+      </p:bgRef>
+    </p:bg>
+    <p:spTree>
+      <p:nvGrpSpPr>
+        <p:cNvPr id="1" name=""/>
+        <p:cNvGrpSpPr/>
+        <p:nvPr/>
+      </p:nvGrpSpPr>
+      <p:grpSpPr>
+        <a:xfrm>
+          <a:off x="0" y="0"/>
+          <a:ext cx="0" cy="0"/>
+          <a:chOff x="0" y="0"/>
+          <a:chExt cx="0" cy="0"/>
+        </a:xfrm>
+      </p:grpSpPr>
+      <p:sp>
+        <p:nvSpPr>
+          <p:cNvPr id="2" name="Верхний колонтитул 1"/>
+          <p:cNvSpPr>
+            <a:spLocks noGrp="1"/>
+          </p:cNvSpPr>
+          <p:nvPr>
+            <p:ph type="hdr" sz="quarter"/>
+          </p:nvPr>
+        </p:nvSpPr>
+        <p:spPr>
+          <a:xfrm>
+            <a:off x="0" y="0"/>
+            <a:ext cx="2971800" cy="458788"/>
+          </a:xfrm>
+          <a:prstGeom prst="rect">
+            <a:avLst/>
+          </a:prstGeom>
+        </p:spPr>
+        <p:txBody>
+          <a:bodyPr vert="horz" lIns="91440" tIns="45720" rIns="91440" bIns="45720" rtlCol="0"/>
+          <a:lstStyle>
+            <a:lvl1pPr algn="l">
+              <a:defRPr sz="1200"/>
+            </a:lvl1pPr>
+          </a:lstStyle>
+          <a:p>
+            <a:endParaRPr lang="en-GB"/>
+          </a:p>
+        </p:txBody>
+      </p:sp>
+      <p:sp>
+        <p:nvSpPr>
+          <p:cNvPr id="3" name="Дата 2"/>
+          <p:cNvSpPr>
+            <a:spLocks noGrp="1"/>
+          </p:cNvSpPr>
+          <p:nvPr>
+            <p:ph type="dt" idx="1"/>
+          </p:nvPr>
+        </p:nvSpPr>
+        <p:spPr>
+          <a:xfrm>
+            <a:off x="3884613" y="0"/>
+            <a:ext cx="2971800" cy="458788"/>
+          </a:xfrm>
+          <a:prstGeom prst="rect">
+            <a:avLst/>
+          </a:prstGeom>
+        </p:spPr>
+        <p:txBody>
+          <a:bodyPr vert="horz" lIns="91440" tIns="45720" rIns="91440" bIns="45720" rtlCol="0"/>
+          <a:lstStyle>
+            <a:lvl1pPr algn="r">
+              <a:defRPr sz="1200"/>
+            </a:lvl1pPr>
+          </a:lstStyle>
+          <a:p>
+            <a:fld id="{9291C2B6-BD4D-4D0E-825A-775FACB85B88}" type="datetimeFigureOut">
+              <a:rPr lang="en-GB" smtClean="0"/>
+              <a:t>03/10/2023</a:t>
+            </a:fld>
+            <a:endParaRPr lang="en-GB"/>
+          </a:p>
+        </p:txBody>
+      </p:sp>
+      <p:sp>
+        <p:nvSpPr>
+          <p:cNvPr id="4" name="Образ слайда 3"/>
+          <p:cNvSpPr>
+            <a:spLocks noGrp="1" noRot="1" noChangeAspect="1"/>
+          </p:cNvSpPr>
+          <p:nvPr>
+            <p:ph type="sldImg" idx="2"/>
+          </p:nvPr>
+        </p:nvSpPr>
+        <p:spPr>
+          <a:xfrm>
+            <a:off x="685800" y="1143000"/>
+            <a:ext cx="5486400" cy="3086100"/>
+          </a:xfrm>
+          <a:prstGeom prst="rect">
+            <a:avLst/>
+          </a:prstGeom>
+          <a:noFill/>
+          <a:ln w="12700">
+            <a:solidFill>
+              <a:prstClr val="black"/>
+            </a:solidFill>
+          </a:ln>
+        </p:spPr>
+        <p:txBody>
+          <a:bodyPr vert="horz" lIns="91440" tIns="45720" rIns="91440" bIns="45720" rtlCol="0" anchor="ctr"/>
+          <a:lstStyle/>
+          <a:p>
+            <a:endParaRPr lang="en-GB"/>
+          </a:p>
+        </p:txBody>
+      </p:sp>
+      <p:sp>
+        <p:nvSpPr>
+          <p:cNvPr id="5" name="Заметки 4"/>
+          <p:cNvSpPr>
+            <a:spLocks noGrp="1"/>
+          </p:cNvSpPr>
+          <p:nvPr>
+            <p:ph type="body" sz="quarter" idx="3"/>
+          </p:nvPr>
+        </p:nvSpPr>
+        <p:spPr>
+          <a:xfrm>
+            <a:off x="685800" y="4400550"/>
+            <a:ext cx="5486400" cy="3600450"/>
+          </a:xfrm>
+          <a:prstGeom prst="rect">
+            <a:avLst/>
+          </a:prstGeom>
+        </p:spPr>
+        <p:txBody>
+          <a:bodyPr vert="horz" lIns="91440" tIns="45720" rIns="91440" bIns="45720" rtlCol="0"/>
+          <a:lstStyle/>
+          <a:p>
+            <a:pPr lvl="0"/>
+            <a:r>
+              <a:rPr lang="ru-RU" smtClean="0"/>
+              <a:t>Образец текста</a:t>
+            </a:r>
+          </a:p>
+          <a:p>
+            <a:pPr lvl="1"/>
+            <a:r>
+              <a:rPr lang="ru-RU" smtClean="0"/>
+              <a:t>Второй уровень</a:t>
+            </a:r>
+          </a:p>
+          <a:p>
+            <a:pPr lvl="2"/>
+            <a:r>
+              <a:rPr lang="ru-RU" smtClean="0"/>
+              <a:t>Третий уровень</a:t>
+            </a:r>
+          </a:p>
+          <a:p>
+            <a:pPr lvl="3"/>
+            <a:r>
+              <a:rPr lang="ru-RU" smtClean="0"/>
+              <a:t>Четвертый уровень</a:t>
+            </a:r>
+          </a:p>
+          <a:p>
+            <a:pPr lvl="4"/>
+            <a:r>
+              <a:rPr lang="ru-RU" smtClean="0"/>
+              <a:t>Пятый уровень</a:t>
+            </a:r>
+            <a:endParaRPr lang="en-GB"/>
+          </a:p>
+        </p:txBody>
+      </p:sp>
+      <p:sp>
+        <p:nvSpPr>
+          <p:cNvPr id="6" name="Нижний колонтитул 5"/>
+          <p:cNvSpPr>
+            <a:spLocks noGrp="1"/>
+          </p:cNvSpPr>
+          <p:nvPr>
+            <p:ph type="ftr" sz="quarter" idx="4"/>
+          </p:nvPr>
+        </p:nvSpPr>
+        <p:spPr>
+          <a:xfrm>
+            <a:off x="0" y="8685213"/>
+            <a:ext cx="2971800" cy="458787"/>
+          </a:xfrm>
+          <a:prstGeom prst="rect">
+            <a:avLst/>
+          </a:prstGeom>
+        </p:spPr>
+        <p:txBody>
+          <a:bodyPr vert="horz" lIns="91440" tIns="45720" rIns="91440" bIns="45720" rtlCol="0" anchor="b"/>
+          <a:lstStyle>
+            <a:lvl1pPr algn="l">
+              <a:defRPr sz="1200"/>
+            </a:lvl1pPr>
+          </a:lstStyle>
+          <a:p>
+            <a:endParaRPr lang="en-GB"/>
+          </a:p>
+        </p:txBody>
+      </p:sp>
+      <p:sp>
+        <p:nvSpPr>
+          <p:cNvPr id="7" name="Номер слайда 6"/>
+          <p:cNvSpPr>
+            <a:spLocks noGrp="1"/>
+          </p:cNvSpPr>
+          <p:nvPr>
+            <p:ph type="sldNum" sz="quarter" idx="5"/>
+          </p:nvPr>
+        </p:nvSpPr>
+        <p:spPr>
+          <a:xfrm>
+            <a:off x="3884613" y="8685213"/>
+            <a:ext cx="2971800" cy="458787"/>
+          </a:xfrm>
+          <a:prstGeom prst="rect">
+            <a:avLst/>
+          </a:prstGeom>
+        </p:spPr>
+        <p:txBody>
+          <a:bodyPr vert="horz" lIns="91440" tIns="45720" rIns="91440" bIns="45720" rtlCol="0" anchor="b"/>
+          <a:lstStyle>
+            <a:lvl1pPr algn="r">
+              <a:defRPr sz="1200"/>
+            </a:lvl1pPr>
+          </a:lstStyle>
+          <a:p>
+            <a:fld id="{91CA1B5C-5BEC-4542-88BF-6910D6CEC4C2}" type="slidenum">
+              <a:rPr lang="en-GB" smtClean="0"/>
+              <a:t>‹#›</a:t>
+            </a:fld>
+            <a:endParaRPr lang="en-GB"/>
+          </a:p>
+        </p:txBody>
+      </p:sp>
+    </p:spTree>
+    <p:extLst>
+      <p:ext uri="{BB962C8B-B14F-4D97-AF65-F5344CB8AC3E}">
+        <p14:creationId xmlns:p14="http://schemas.microsoft.com/office/powerpoint/2010/main" val="282770076"/>
+      </p:ext>
+    </p:extLst>
+  </p:cSld>
+  <p:clrMap bg1="lt1" tx1="dk1" bg2="lt2" tx2="dk2" accent1="accent1" accent2="accent2" accent3="accent3" accent4="accent4" accent5="accent5" accent6="accent6" hlink="hlink" folHlink="folHlink"/>
+  <p:notesStyle>
+    <a:lvl1pPr marL="0" algn="l" defTabSz="914400" rtl="0" eaLnBrk="1" latinLnBrk="0" hangingPunct="1">
+      <a:defRPr sz="1200" kern="1200">
+        <a:solidFill>
+          <a:schemeClr val="tx1"/>
+        </a:solidFill>
+        <a:latin typeface="+mn-lt"/>
+        <a:ea typeface="+mn-ea"/>
+        <a:cs typeface="+mn-cs"/>
+      </a:defRPr>
+    </a:lvl1pPr>
+    <a:lvl2pPr marL="457200" algn="l" defTabSz="914400" rtl="0" eaLnBrk="1" latinLnBrk="0" hangingPunct="1">
+      <a:defRPr sz="1200" kern="1200">
+        <a:solidFill>
+          <a:schemeClr val="tx1"/>
+        </a:solidFill>
+        <a:latin typeface="+mn-lt"/>
+        <a:ea typeface="+mn-ea"/>
+        <a:cs typeface="+mn-cs"/>
+      </a:defRPr>
+    </a:lvl2pPr>
+    <a:lvl3pPr marL="914400" algn="l" defTabSz="914400" rtl="0" eaLnBrk="1" latinLnBrk="0" hangingPunct="1">
+      <a:defRPr sz="1200" kern="1200">
+        <a:solidFill>
+          <a:schemeClr val="tx1"/>
+        </a:solidFill>
+        <a:latin typeface="+mn-lt"/>
+        <a:ea typeface="+mn-ea"/>
+        <a:cs typeface="+mn-cs"/>
+      </a:defRPr>
+    </a:lvl3pPr>
+    <a:lvl4pPr marL="1371600" algn="l" defTabSz="914400" rtl="0" eaLnBrk="1" latinLnBrk="0" hangingPunct="1">
+      <a:defRPr sz="1200" kern="1200">
+        <a:solidFill>
+          <a:schemeClr val="tx1"/>
+        </a:solidFill>
+        <a:latin typeface="+mn-lt"/>
+        <a:ea typeface="+mn-ea"/>
+        <a:cs typeface="+mn-cs"/>
+      </a:defRPr>
+    </a:lvl4pPr>
+    <a:lvl5pPr marL="1828800" algn="l" defTabSz="914400" rtl="0" eaLnBrk="1" latinLnBrk="0" hangingPunct="1">
+      <a:defRPr sz="1200" kern="1200">
+        <a:solidFill>
+          <a:schemeClr val="tx1"/>
+        </a:solidFill>
+        <a:latin typeface="+mn-lt"/>
+        <a:ea typeface="+mn-ea"/>
+        <a:cs typeface="+mn-cs"/>
+      </a:defRPr>
+    </a:lvl5pPr>
+    <a:lvl6pPr marL="2286000" algn="l" defTabSz="914400" rtl="0" eaLnBrk="1" latinLnBrk="0" hangingPunct="1">
+      <a:defRPr sz="1200" kern="1200">
+        <a:solidFill>
+          <a:schemeClr val="tx1"/>
+        </a:solidFill>
+        <a:latin typeface="+mn-lt"/>
+        <a:ea typeface="+mn-ea"/>
+        <a:cs typeface="+mn-cs"/>
+      </a:defRPr>
+    </a:lvl6pPr>
+    <a:lvl7pPr marL="2743200" algn="l" defTabSz="914400" rtl="0" eaLnBrk="1" latinLnBrk="0" hangingPunct="1">
+      <a:defRPr sz="1200" kern="1200">
+        <a:solidFill>
+          <a:schemeClr val="tx1"/>
+        </a:solidFill>
+        <a:latin typeface="+mn-lt"/>
+        <a:ea typeface="+mn-ea"/>
+        <a:cs typeface="+mn-cs"/>
+      </a:defRPr>
+    </a:lvl7pPr>
+    <a:lvl8pPr marL="3200400" algn="l" defTabSz="914400" rtl="0" eaLnBrk="1" latinLnBrk="0" hangingPunct="1">
+      <a:defRPr sz="1200" kern="1200">
+        <a:solidFill>
+          <a:schemeClr val="tx1"/>
+        </a:solidFill>
+        <a:latin typeface="+mn-lt"/>
+        <a:ea typeface="+mn-ea"/>
+        <a:cs typeface="+mn-cs"/>
+      </a:defRPr>
+    </a:lvl8pPr>
+    <a:lvl9pPr marL="3657600" algn="l" defTabSz="914400" rtl="0" eaLnBrk="1" latinLnBrk="0" hangingPunct="1">
+      <a:defRPr sz="1200" kern="1200">
+        <a:solidFill>
+          <a:schemeClr val="tx1"/>
+        </a:solidFill>
+        <a:latin typeface="+mn-lt"/>
+        <a:ea typeface="+mn-ea"/>
+        <a:cs typeface="+mn-cs"/>
+      </a:defRPr>
+    </a:lvl9pPr>
+  </p:notesStyle>
+</p:notesMaster>
 </file>
 
 <file path=ppt/slideLayouts/slideLayout1.xml><?xml version="1.0" encoding="utf-8"?>
@@ -249,9 +608,9 @@
           <a:bodyPr/>
           <a:lstStyle/>
           <a:p>
-            <a:fld id="{F435D04F-D8C1-485A-8BB1-47442377E09B}" type="datetimeFigureOut">
+            <a:fld id="{BC1802A5-187E-4CB8-A90B-710D00A29ECF}" type="datetime1">
               <a:rPr lang="en-GB" smtClean="0"/>
-              <a:t>02/10/2023</a:t>
+              <a:t>03/10/2023</a:t>
             </a:fld>
             <a:endParaRPr lang="en-GB"/>
           </a:p>
@@ -419,9 +778,9 @@
           <a:bodyPr/>
           <a:lstStyle/>
           <a:p>
-            <a:fld id="{F435D04F-D8C1-485A-8BB1-47442377E09B}" type="datetimeFigureOut">
+            <a:fld id="{8C130ADA-9CEC-43FF-8504-3AD51A10359C}" type="datetime1">
               <a:rPr lang="en-GB" smtClean="0"/>
-              <a:t>02/10/2023</a:t>
+              <a:t>03/10/2023</a:t>
             </a:fld>
             <a:endParaRPr lang="en-GB"/>
           </a:p>
@@ -599,9 +958,9 @@
           <a:bodyPr/>
           <a:lstStyle/>
           <a:p>
-            <a:fld id="{F435D04F-D8C1-485A-8BB1-47442377E09B}" type="datetimeFigureOut">
+            <a:fld id="{DE5A6683-C818-47DA-8B3D-C8C4EC3368E0}" type="datetime1">
               <a:rPr lang="en-GB" smtClean="0"/>
-              <a:t>02/10/2023</a:t>
+              <a:t>03/10/2023</a:t>
             </a:fld>
             <a:endParaRPr lang="en-GB"/>
           </a:p>
@@ -769,9 +1128,9 @@
           <a:bodyPr/>
           <a:lstStyle/>
           <a:p>
-            <a:fld id="{F435D04F-D8C1-485A-8BB1-47442377E09B}" type="datetimeFigureOut">
+            <a:fld id="{208CC95C-A7DA-4D17-94E9-7ADB5E160019}" type="datetime1">
               <a:rPr lang="en-GB" smtClean="0"/>
-              <a:t>02/10/2023</a:t>
+              <a:t>03/10/2023</a:t>
             </a:fld>
             <a:endParaRPr lang="en-GB"/>
           </a:p>
@@ -1015,9 +1374,9 @@
           <a:bodyPr/>
           <a:lstStyle/>
           <a:p>
-            <a:fld id="{F435D04F-D8C1-485A-8BB1-47442377E09B}" type="datetimeFigureOut">
+            <a:fld id="{1526327B-88C9-42E6-9D27-93CEF33A73B3}" type="datetime1">
               <a:rPr lang="en-GB" smtClean="0"/>
-              <a:t>02/10/2023</a:t>
+              <a:t>03/10/2023</a:t>
             </a:fld>
             <a:endParaRPr lang="en-GB"/>
           </a:p>
@@ -1247,9 +1606,9 @@
           <a:bodyPr/>
           <a:lstStyle/>
           <a:p>
-            <a:fld id="{F435D04F-D8C1-485A-8BB1-47442377E09B}" type="datetimeFigureOut">
+            <a:fld id="{98E82163-2E29-49F0-B62F-1DEEC3621595}" type="datetime1">
               <a:rPr lang="en-GB" smtClean="0"/>
-              <a:t>02/10/2023</a:t>
+              <a:t>03/10/2023</a:t>
             </a:fld>
             <a:endParaRPr lang="en-GB"/>
           </a:p>
@@ -1614,9 +1973,9 @@
           <a:bodyPr/>
           <a:lstStyle/>
           <a:p>
-            <a:fld id="{F435D04F-D8C1-485A-8BB1-47442377E09B}" type="datetimeFigureOut">
+            <a:fld id="{53168924-3A9D-4F30-81F5-D06DDA047641}" type="datetime1">
               <a:rPr lang="en-GB" smtClean="0"/>
-              <a:t>02/10/2023</a:t>
+              <a:t>03/10/2023</a:t>
             </a:fld>
             <a:endParaRPr lang="en-GB"/>
           </a:p>
@@ -1732,9 +2091,9 @@
           <a:bodyPr/>
           <a:lstStyle/>
           <a:p>
-            <a:fld id="{F435D04F-D8C1-485A-8BB1-47442377E09B}" type="datetimeFigureOut">
+            <a:fld id="{260C390B-6C06-4638-BB2B-59E7C7C4A51F}" type="datetime1">
               <a:rPr lang="en-GB" smtClean="0"/>
-              <a:t>02/10/2023</a:t>
+              <a:t>03/10/2023</a:t>
             </a:fld>
             <a:endParaRPr lang="en-GB"/>
           </a:p>
@@ -1827,9 +2186,9 @@
           <a:bodyPr/>
           <a:lstStyle/>
           <a:p>
-            <a:fld id="{F435D04F-D8C1-485A-8BB1-47442377E09B}" type="datetimeFigureOut">
+            <a:fld id="{7FA6DABB-5ADE-4BC0-B86E-1B8C3B771045}" type="datetime1">
               <a:rPr lang="en-GB" smtClean="0"/>
-              <a:t>02/10/2023</a:t>
+              <a:t>03/10/2023</a:t>
             </a:fld>
             <a:endParaRPr lang="en-GB"/>
           </a:p>
@@ -2104,9 +2463,9 @@
           <a:bodyPr/>
           <a:lstStyle/>
           <a:p>
-            <a:fld id="{F435D04F-D8C1-485A-8BB1-47442377E09B}" type="datetimeFigureOut">
+            <a:fld id="{D96C61A4-76A8-46A4-842E-C392C1B52B7B}" type="datetime1">
               <a:rPr lang="en-GB" smtClean="0"/>
-              <a:t>02/10/2023</a:t>
+              <a:t>03/10/2023</a:t>
             </a:fld>
             <a:endParaRPr lang="en-GB"/>
           </a:p>
@@ -2357,9 +2716,9 @@
           <a:bodyPr/>
           <a:lstStyle/>
           <a:p>
-            <a:fld id="{F435D04F-D8C1-485A-8BB1-47442377E09B}" type="datetimeFigureOut">
+            <a:fld id="{DB83A986-BB3D-4845-ACDF-3A69917FD9BE}" type="datetime1">
               <a:rPr lang="en-GB" smtClean="0"/>
-              <a:t>02/10/2023</a:t>
+              <a:t>03/10/2023</a:t>
             </a:fld>
             <a:endParaRPr lang="en-GB"/>
           </a:p>
@@ -2570,9 +2929,9 @@
             </a:lvl1pPr>
           </a:lstStyle>
           <a:p>
-            <a:fld id="{F435D04F-D8C1-485A-8BB1-47442377E09B}" type="datetimeFigureOut">
+            <a:fld id="{136E916F-71DC-49FA-A8D3-ABDE9EABBE42}" type="datetime1">
               <a:rPr lang="en-GB" smtClean="0"/>
-              <a:t>02/10/2023</a:t>
+              <a:t>03/10/2023</a:t>
             </a:fld>
             <a:endParaRPr lang="en-GB"/>
           </a:p>
@@ -2677,6 +3036,7 @@
     <p:sldLayoutId id="2147483658" r:id="rId10"/>
     <p:sldLayoutId id="2147483659" r:id="rId11"/>
   </p:sldLayoutIdLst>
+  <p:hf hdr="0" ftr="0" dt="0"/>
   <p:txStyles>
     <p:titleStyle>
       <a:lvl1pPr algn="l" defTabSz="914400" rtl="0" eaLnBrk="1" latinLnBrk="0" hangingPunct="1">
@@ -3031,9 +3391,16 @@
             <p:ph type="subTitle" idx="1"/>
           </p:nvPr>
         </p:nvSpPr>
-        <p:spPr/>
-        <p:txBody>
-          <a:bodyPr/>
+        <p:spPr>
+          <a:xfrm>
+            <a:off x="1524000" y="3602038"/>
+            <a:ext cx="10202562" cy="2150032"/>
+          </a:xfrm>
+        </p:spPr>
+        <p:txBody>
+          <a:bodyPr>
+            <a:normAutofit/>
+          </a:bodyPr>
           <a:lstStyle/>
           <a:p>
             <a:r>
@@ -3042,9 +3409,70 @@
             </a:r>
             <a:r>
               <a:rPr lang="ru-RU" dirty="0" smtClean="0"/>
-              <a:t> 25.09.2023  по  2.10.2023</a:t>
+              <a:t> 25.09.2023  по  </a:t>
+            </a:r>
+            <a:r>
+              <a:rPr lang="ru-RU" dirty="0" smtClean="0"/>
+              <a:t>2.10.2023</a:t>
+            </a:r>
+          </a:p>
+          <a:p>
+            <a:endParaRPr lang="ru-RU" dirty="0"/>
+          </a:p>
+          <a:p>
+            <a:endParaRPr lang="ru-RU" dirty="0" smtClean="0"/>
+          </a:p>
+          <a:p>
+            <a:pPr algn="r">
+              <a:lnSpc>
+                <a:spcPct val="100000"/>
+              </a:lnSpc>
+              <a:spcBef>
+                <a:spcPts val="0"/>
+              </a:spcBef>
+            </a:pPr>
+            <a:r>
+              <a:rPr lang="ru-RU" dirty="0" smtClean="0"/>
+              <a:t>Над проектом работала:</a:t>
+            </a:r>
+          </a:p>
+          <a:p>
+            <a:pPr algn="r">
+              <a:lnSpc>
+                <a:spcPct val="100000"/>
+              </a:lnSpc>
+              <a:spcBef>
+                <a:spcPts val="0"/>
+              </a:spcBef>
+            </a:pPr>
+            <a:r>
+              <a:rPr lang="ru-RU" dirty="0" smtClean="0"/>
+              <a:t>Грищенко Анастасия Дмитриевна</a:t>
             </a:r>
             <a:endParaRPr lang="en-GB" dirty="0"/>
+          </a:p>
+        </p:txBody>
+      </p:sp>
+      <p:sp>
+        <p:nvSpPr>
+          <p:cNvPr id="5" name="Номер слайда 4"/>
+          <p:cNvSpPr>
+            <a:spLocks noGrp="1"/>
+          </p:cNvSpPr>
+          <p:nvPr>
+            <p:ph type="sldNum" sz="quarter" idx="12"/>
+          </p:nvPr>
+        </p:nvSpPr>
+        <p:spPr/>
+        <p:txBody>
+          <a:bodyPr/>
+          <a:lstStyle/>
+          <a:p>
+            <a:fld id="{EE1F7792-A6BD-42CB-A73F-454C1624610B}" type="slidenum">
+              <a:rPr lang="en-GB" smtClean="0"/>
+              <a:t>1</a:t>
+            </a:fld>
+            <a:endParaRPr lang="en-GB"/>
           </a:p>
         </p:txBody>
       </p:sp>
@@ -3095,7 +3523,11 @@
           <a:p>
             <a:r>
               <a:rPr lang="ru-RU" b="1" i="1" dirty="0" smtClean="0"/>
-              <a:t>6) Визуализируем распределение средних рейтингов по категориям заведений</a:t>
+              <a:t>6) </a:t>
+            </a:r>
+            <a:r>
+              <a:rPr lang="ru-RU" b="1" i="1" dirty="0"/>
+              <a:t>Визуализируем распределение средних рейтингов по категориям заведений.</a:t>
             </a:r>
             <a:endParaRPr lang="en-GB" dirty="0"/>
           </a:p>
@@ -3119,8 +3551,8 @@
         </p:blipFill>
         <p:spPr>
           <a:xfrm>
-            <a:off x="838200" y="2852981"/>
-            <a:ext cx="5181600" cy="2296625"/>
+            <a:off x="838200" y="2655323"/>
+            <a:ext cx="5181600" cy="2691942"/>
           </a:xfrm>
           <a:prstGeom prst="rect">
             <a:avLst/>
@@ -3139,78 +3571,68 @@
         </p:nvSpPr>
         <p:spPr/>
         <p:txBody>
-          <a:bodyPr>
-            <a:normAutofit fontScale="77500" lnSpcReduction="20000"/>
-          </a:bodyPr>
-          <a:lstStyle/>
-          <a:p>
-            <a:pPr marL="0" indent="0">
-              <a:buNone/>
-            </a:pPr>
-            <a:r>
-              <a:rPr lang="ru-RU" b="1" dirty="0"/>
-              <a:t>Вывод:</a:t>
-            </a:r>
-            <a:r>
-              <a:rPr lang="ru-RU" dirty="0"/>
-              <a:t> По графикам можно сказать следующее:</a:t>
-            </a:r>
-          </a:p>
-          <a:p>
-            <a:r>
-              <a:rPr lang="ru-RU" dirty="0"/>
-              <a:t>самый высокий рейтинг по всем районам у баров, пабов</a:t>
-            </a:r>
-          </a:p>
-          <a:p>
-            <a:r>
-              <a:rPr lang="ru-RU" dirty="0"/>
-              <a:t>следом идут и примерно в одном оценочном диапазоне пиццерия, кофейня и рестораны</a:t>
-            </a:r>
-          </a:p>
-          <a:p>
-            <a:r>
-              <a:rPr lang="ru-RU" dirty="0"/>
-              <a:t>самый низкий рейтинг почти по всем районам у быстрого питания и кафе</a:t>
-            </a:r>
-          </a:p>
-          <a:p>
-            <a:r>
-              <a:rPr lang="ru-RU" dirty="0"/>
-              <a:t>самые высокие показатели в районе ЦАО (Центральный административный округ)</a:t>
-            </a:r>
-          </a:p>
-          <a:p>
-            <a:r>
-              <a:rPr lang="ru-RU" dirty="0"/>
-              <a:t>самые низкие показатели в районе ЮВАО (Юго-Восточный </a:t>
-            </a:r>
-            <a:r>
-              <a:rPr lang="ru-RU" dirty="0" err="1"/>
-              <a:t>администативный</a:t>
-            </a:r>
-            <a:r>
-              <a:rPr lang="ru-RU" dirty="0"/>
-              <a:t> </a:t>
-            </a:r>
-            <a:r>
-              <a:rPr lang="ru-RU" dirty="0" err="1"/>
-              <a:t>окргу</a:t>
-            </a:r>
-            <a:r>
-              <a:rPr lang="ru-RU" dirty="0"/>
-              <a:t>)</a:t>
-            </a:r>
-          </a:p>
-          <a:p>
+          <a:bodyPr/>
+          <a:lstStyle/>
+          <a:p>
+            <a:r>
+              <a:rPr lang="ru-RU" dirty="0" smtClean="0"/>
+              <a:t>строим фоновую картограмму (</a:t>
+            </a:r>
+            <a:r>
+              <a:rPr lang="ru-RU" dirty="0" err="1" smtClean="0"/>
+              <a:t>хороплет</a:t>
+            </a:r>
+            <a:r>
+              <a:rPr lang="ru-RU" dirty="0" smtClean="0"/>
+              <a:t>) со средним рейтингом заведений каждого </a:t>
+            </a:r>
+            <a:r>
+              <a:rPr lang="ru-RU" dirty="0" err="1" smtClean="0"/>
+              <a:t>районастроим</a:t>
+            </a:r>
+            <a:r>
+              <a:rPr lang="ru-RU" dirty="0" smtClean="0"/>
+              <a:t> фоновую картограмму (</a:t>
+            </a:r>
+            <a:r>
+              <a:rPr lang="ru-RU" dirty="0" err="1" smtClean="0"/>
+              <a:t>хороплет</a:t>
+            </a:r>
+            <a:r>
+              <a:rPr lang="ru-RU" dirty="0" smtClean="0"/>
+              <a:t>) со средним рейтингом заведений каждого района</a:t>
+            </a:r>
             <a:endParaRPr lang="en-GB" dirty="0"/>
+          </a:p>
+        </p:txBody>
+      </p:sp>
+      <p:sp>
+        <p:nvSpPr>
+          <p:cNvPr id="7" name="Номер слайда 6"/>
+          <p:cNvSpPr>
+            <a:spLocks noGrp="1"/>
+          </p:cNvSpPr>
+          <p:nvPr>
+            <p:ph type="sldNum" sz="quarter" idx="12"/>
+          </p:nvPr>
+        </p:nvSpPr>
+        <p:spPr/>
+        <p:txBody>
+          <a:bodyPr/>
+          <a:lstStyle/>
+          <a:p>
+            <a:fld id="{EE1F7792-A6BD-42CB-A73F-454C1624610B}" type="slidenum">
+              <a:rPr lang="en-GB" smtClean="0"/>
+              <a:t>10</a:t>
+            </a:fld>
+            <a:endParaRPr lang="en-GB"/>
           </a:p>
         </p:txBody>
       </p:sp>
     </p:spTree>
     <p:extLst>
       <p:ext uri="{BB962C8B-B14F-4D97-AF65-F5344CB8AC3E}">
-        <p14:creationId xmlns:p14="http://schemas.microsoft.com/office/powerpoint/2010/main" val="3771572866"/>
+        <p14:creationId xmlns:p14="http://schemas.microsoft.com/office/powerpoint/2010/main" val="1203349804"/>
       </p:ext>
     </p:extLst>
   </p:cSld>
@@ -3253,20 +3675,8 @@
           <a:lstStyle/>
           <a:p>
             <a:r>
-              <a:rPr lang="ru-RU" b="1" i="1" dirty="0"/>
-              <a:t>7) Отобразите все заведения </a:t>
-            </a:r>
-            <a:r>
-              <a:rPr lang="ru-RU" b="1" i="1" dirty="0" err="1"/>
-              <a:t>датасета</a:t>
-            </a:r>
-            <a:r>
-              <a:rPr lang="ru-RU" b="1" i="1" dirty="0"/>
-              <a:t> на </a:t>
-            </a:r>
-            <a:r>
               <a:rPr lang="ru-RU" b="1" i="1" dirty="0" smtClean="0"/>
-              <a:t>карте</a:t>
+              <a:t>6) Визуализируем распределение средних рейтингов по категориям заведений</a:t>
             </a:r>
             <a:endParaRPr lang="en-GB" dirty="0"/>
           </a:p>
@@ -3290,8 +3700,8 @@
         </p:blipFill>
         <p:spPr>
           <a:xfrm>
-            <a:off x="838200" y="2653875"/>
-            <a:ext cx="5181600" cy="2694838"/>
+            <a:off x="578708" y="2852981"/>
+            <a:ext cx="5181600" cy="2296625"/>
           </a:xfrm>
           <a:prstGeom prst="rect">
             <a:avLst/>
@@ -3310,24 +3720,101 @@
         </p:nvSpPr>
         <p:spPr/>
         <p:txBody>
-          <a:bodyPr/>
+          <a:bodyPr>
+            <a:normAutofit fontScale="77500" lnSpcReduction="20000"/>
+          </a:bodyPr>
           <a:lstStyle/>
           <a:p>
             <a:pPr marL="0" indent="0">
               <a:buNone/>
             </a:pPr>
             <a:r>
-              <a:rPr lang="ru-RU" dirty="0" smtClean="0"/>
-              <a:t>Больше всего заведений категории – кафе.</a:t>
-            </a:r>
+              <a:rPr lang="ru-RU" b="1" dirty="0"/>
+              <a:t>Вывод:</a:t>
+            </a:r>
+            <a:r>
+              <a:rPr lang="ru-RU" dirty="0"/>
+              <a:t> По графикам можно сказать следующее:</a:t>
+            </a:r>
+          </a:p>
+          <a:p>
+            <a:r>
+              <a:rPr lang="ru-RU" dirty="0"/>
+              <a:t>самый высокий рейтинг по всем районам у баров, пабов</a:t>
+            </a:r>
+          </a:p>
+          <a:p>
+            <a:r>
+              <a:rPr lang="ru-RU" dirty="0"/>
+              <a:t>следом идут и примерно в одном оценочном диапазоне пиццерия, кофейня и рестораны</a:t>
+            </a:r>
+          </a:p>
+          <a:p>
+            <a:r>
+              <a:rPr lang="ru-RU" dirty="0"/>
+              <a:t>самый низкий рейтинг почти по всем районам у быстрого питания и кафе</a:t>
+            </a:r>
+          </a:p>
+          <a:p>
+            <a:r>
+              <a:rPr lang="ru-RU" dirty="0"/>
+              <a:t>самые высокие показатели в районе ЦАО (Центральный административный округ)</a:t>
+            </a:r>
+          </a:p>
+          <a:p>
+            <a:r>
+              <a:rPr lang="ru-RU" dirty="0"/>
+              <a:t>самые низкие показатели в районе ЮВАО (Юго-Восточный </a:t>
+            </a:r>
+            <a:r>
+              <a:rPr lang="ru-RU" dirty="0" err="1"/>
+              <a:t>администативный</a:t>
+            </a:r>
+            <a:r>
+              <a:rPr lang="ru-RU" dirty="0"/>
+              <a:t> </a:t>
+            </a:r>
+            <a:r>
+              <a:rPr lang="ru-RU" dirty="0" err="1"/>
+              <a:t>окргу</a:t>
+            </a:r>
+            <a:r>
+              <a:rPr lang="ru-RU" dirty="0"/>
+              <a:t>)</a:t>
+            </a:r>
+          </a:p>
+          <a:p>
             <a:endParaRPr lang="en-GB" dirty="0"/>
+          </a:p>
+        </p:txBody>
+      </p:sp>
+      <p:sp>
+        <p:nvSpPr>
+          <p:cNvPr id="7" name="Номер слайда 6"/>
+          <p:cNvSpPr>
+            <a:spLocks noGrp="1"/>
+          </p:cNvSpPr>
+          <p:nvPr>
+            <p:ph type="sldNum" sz="quarter" idx="12"/>
+          </p:nvPr>
+        </p:nvSpPr>
+        <p:spPr/>
+        <p:txBody>
+          <a:bodyPr/>
+          <a:lstStyle/>
+          <a:p>
+            <a:fld id="{EE1F7792-A6BD-42CB-A73F-454C1624610B}" type="slidenum">
+              <a:rPr lang="en-GB" smtClean="0"/>
+              <a:t>11</a:t>
+            </a:fld>
+            <a:endParaRPr lang="en-GB"/>
           </a:p>
         </p:txBody>
       </p:sp>
     </p:spTree>
     <p:extLst>
       <p:ext uri="{BB962C8B-B14F-4D97-AF65-F5344CB8AC3E}">
-        <p14:creationId xmlns:p14="http://schemas.microsoft.com/office/powerpoint/2010/main" val="2490143696"/>
+        <p14:creationId xmlns:p14="http://schemas.microsoft.com/office/powerpoint/2010/main" val="3771572866"/>
       </p:ext>
     </p:extLst>
   </p:cSld>
@@ -3371,7 +3858,19 @@
           <a:p>
             <a:r>
               <a:rPr lang="ru-RU" b="1" i="1" dirty="0"/>
-              <a:t>8) Найдём топ-15 улиц по количеству заведений</a:t>
+              <a:t>7) Отобразите все заведения </a:t>
+            </a:r>
+            <a:r>
+              <a:rPr lang="ru-RU" b="1" i="1" dirty="0" err="1"/>
+              <a:t>датасета</a:t>
+            </a:r>
+            <a:r>
+              <a:rPr lang="ru-RU" b="1" i="1" dirty="0"/>
+              <a:t> на </a:t>
+            </a:r>
+            <a:r>
+              <a:rPr lang="ru-RU" b="1" i="1" dirty="0" smtClean="0"/>
+              <a:t>карте</a:t>
             </a:r>
             <a:endParaRPr lang="en-GB" dirty="0"/>
           </a:p>
@@ -3395,8 +3894,8 @@
         </p:blipFill>
         <p:spPr>
           <a:xfrm>
-            <a:off x="838200" y="2784054"/>
-            <a:ext cx="5181600" cy="2434480"/>
+            <a:off x="838200" y="2653875"/>
+            <a:ext cx="5181600" cy="2694838"/>
           </a:xfrm>
           <a:prstGeom prst="rect">
             <a:avLst/>
@@ -3413,12 +3912,7 @@
             <p:ph sz="half" idx="2"/>
           </p:nvPr>
         </p:nvSpPr>
-        <p:spPr>
-          <a:xfrm>
-            <a:off x="6172200" y="1875052"/>
-            <a:ext cx="5181600" cy="4351338"/>
-          </a:xfrm>
-        </p:spPr>
+        <p:spPr/>
         <p:txBody>
           <a:bodyPr/>
           <a:lstStyle/>
@@ -3427,35 +3921,40 @@
               <a:buNone/>
             </a:pPr>
             <a:r>
-              <a:rPr lang="ru-RU" b="1" dirty="0"/>
-              <a:t>Вывод:</a:t>
-            </a:r>
-            <a:r>
-              <a:rPr lang="ru-RU" dirty="0"/>
-              <a:t> По графику видно:</a:t>
-            </a:r>
-          </a:p>
-          <a:p>
-            <a:r>
-              <a:rPr lang="ru-RU" dirty="0"/>
-              <a:t>больше всего заведений на проспекте Мира, Профсоюзной улице. проспект Вернадского и Ленинский проспект (скорее всего эти улицы очень длинные)</a:t>
-            </a:r>
-          </a:p>
-          <a:p>
-            <a:r>
-              <a:rPr lang="ru-RU" dirty="0"/>
-              <a:t>самые популярные категории заведений кафе и ресторан</a:t>
-            </a:r>
-          </a:p>
-          <a:p>
+              <a:rPr lang="ru-RU" dirty="0" smtClean="0"/>
+              <a:t>Больше всего заведений категории – кафе.</a:t>
+            </a:r>
             <a:endParaRPr lang="en-GB" dirty="0"/>
+          </a:p>
+        </p:txBody>
+      </p:sp>
+      <p:sp>
+        <p:nvSpPr>
+          <p:cNvPr id="7" name="Номер слайда 6"/>
+          <p:cNvSpPr>
+            <a:spLocks noGrp="1"/>
+          </p:cNvSpPr>
+          <p:nvPr>
+            <p:ph type="sldNum" sz="quarter" idx="12"/>
+          </p:nvPr>
+        </p:nvSpPr>
+        <p:spPr/>
+        <p:txBody>
+          <a:bodyPr/>
+          <a:lstStyle/>
+          <a:p>
+            <a:fld id="{EE1F7792-A6BD-42CB-A73F-454C1624610B}" type="slidenum">
+              <a:rPr lang="en-GB" smtClean="0"/>
+              <a:t>12</a:t>
+            </a:fld>
+            <a:endParaRPr lang="en-GB"/>
           </a:p>
         </p:txBody>
       </p:sp>
     </p:spTree>
     <p:extLst>
       <p:ext uri="{BB962C8B-B14F-4D97-AF65-F5344CB8AC3E}">
-        <p14:creationId xmlns:p14="http://schemas.microsoft.com/office/powerpoint/2010/main" val="2727354104"/>
+        <p14:creationId xmlns:p14="http://schemas.microsoft.com/office/powerpoint/2010/main" val="2490143696"/>
       </p:ext>
     </p:extLst>
   </p:cSld>
@@ -3499,7 +3998,7 @@
           <a:p>
             <a:r>
               <a:rPr lang="ru-RU" b="1" i="1" dirty="0"/>
-              <a:t>9) Найдём улицы, на которых находится только один объект общепита</a:t>
+              <a:t>8) Найдём топ-15 улиц по количеству заведений</a:t>
             </a:r>
             <a:endParaRPr lang="en-GB" dirty="0"/>
           </a:p>
@@ -3523,8 +4022,8 @@
         </p:blipFill>
         <p:spPr>
           <a:xfrm>
-            <a:off x="838200" y="2756163"/>
-            <a:ext cx="5181600" cy="2490261"/>
+            <a:off x="492211" y="2833481"/>
+            <a:ext cx="5181600" cy="2434480"/>
           </a:xfrm>
           <a:prstGeom prst="rect">
             <a:avLst/>
@@ -3541,11 +4040,14 @@
             <p:ph sz="half" idx="2"/>
           </p:nvPr>
         </p:nvSpPr>
-        <p:spPr/>
-        <p:txBody>
-          <a:bodyPr>
-            <a:normAutofit fontScale="92500" lnSpcReduction="10000"/>
-          </a:bodyPr>
+        <p:spPr>
+          <a:xfrm>
+            <a:off x="6172200" y="1875052"/>
+            <a:ext cx="5181600" cy="4351338"/>
+          </a:xfrm>
+        </p:spPr>
+        <p:txBody>
+          <a:bodyPr/>
           <a:lstStyle/>
           <a:p>
             <a:pPr marL="0" indent="0">
@@ -3563,27 +4065,47 @@
           <a:p>
             <a:r>
               <a:rPr lang="ru-RU" dirty="0"/>
-              <a:t>на не популярных улицах больше всего кафе</a:t>
-            </a:r>
-          </a:p>
-          <a:p>
-            <a:pPr marL="0" indent="0">
-              <a:buNone/>
-            </a:pPr>
-            <a:r>
-              <a:rPr lang="ru-RU" dirty="0"/>
-              <a:t>Можно предположить что связано это с тем, что такие заведения как столовая, бар, пиццерия и быстрое питание, открывают там где большой поток клиентов. А кафе, ресторан и кофейни, могут открывать в местах где нет конкурентов и без огромной проходимости</a:t>
-            </a:r>
-          </a:p>
-          <a:p>
-            <a:endParaRPr lang="en-GB" b="1" dirty="0"/>
+              <a:t>больше всего заведений на проспекте Мира, Профсоюзной улице. проспект Вернадского и Ленинский проспект (скорее всего эти улицы очень длинные)</a:t>
+            </a:r>
+          </a:p>
+          <a:p>
+            <a:r>
+              <a:rPr lang="ru-RU" dirty="0"/>
+              <a:t>самые популярные категории заведений кафе и ресторан</a:t>
+            </a:r>
+          </a:p>
+          <a:p>
+            <a:endParaRPr lang="en-GB" dirty="0"/>
+          </a:p>
+        </p:txBody>
+      </p:sp>
+      <p:sp>
+        <p:nvSpPr>
+          <p:cNvPr id="7" name="Номер слайда 6"/>
+          <p:cNvSpPr>
+            <a:spLocks noGrp="1"/>
+          </p:cNvSpPr>
+          <p:nvPr>
+            <p:ph type="sldNum" sz="quarter" idx="12"/>
+          </p:nvPr>
+        </p:nvSpPr>
+        <p:spPr/>
+        <p:txBody>
+          <a:bodyPr/>
+          <a:lstStyle/>
+          <a:p>
+            <a:fld id="{EE1F7792-A6BD-42CB-A73F-454C1624610B}" type="slidenum">
+              <a:rPr lang="en-GB" smtClean="0"/>
+              <a:t>13</a:t>
+            </a:fld>
+            <a:endParaRPr lang="en-GB"/>
           </a:p>
         </p:txBody>
       </p:sp>
     </p:spTree>
     <p:extLst>
       <p:ext uri="{BB962C8B-B14F-4D97-AF65-F5344CB8AC3E}">
-        <p14:creationId xmlns:p14="http://schemas.microsoft.com/office/powerpoint/2010/main" val="2070796000"/>
+        <p14:creationId xmlns:p14="http://schemas.microsoft.com/office/powerpoint/2010/main" val="2727354104"/>
       </p:ext>
     </p:extLst>
   </p:cSld>
@@ -3622,6 +4144,157 @@
         </p:nvSpPr>
         <p:spPr/>
         <p:txBody>
+          <a:bodyPr/>
+          <a:lstStyle/>
+          <a:p>
+            <a:r>
+              <a:rPr lang="ru-RU" b="1" i="1" dirty="0"/>
+              <a:t>9) Найдём улицы, на которых находится только один объект общепита</a:t>
+            </a:r>
+            <a:endParaRPr lang="en-GB" dirty="0"/>
+          </a:p>
+        </p:txBody>
+      </p:sp>
+      <p:pic>
+        <p:nvPicPr>
+          <p:cNvPr id="5" name="Объект 4"/>
+          <p:cNvPicPr>
+            <a:picLocks noGrp="1" noChangeAspect="1"/>
+          </p:cNvPicPr>
+          <p:nvPr>
+            <p:ph sz="half" idx="1"/>
+          </p:nvPr>
+        </p:nvPicPr>
+        <p:blipFill>
+          <a:blip r:embed="rId2"/>
+          <a:stretch>
+            <a:fillRect/>
+          </a:stretch>
+        </p:blipFill>
+        <p:spPr>
+          <a:xfrm>
+            <a:off x="461319" y="2756163"/>
+            <a:ext cx="5181600" cy="2490261"/>
+          </a:xfrm>
+          <a:prstGeom prst="rect">
+            <a:avLst/>
+          </a:prstGeom>
+        </p:spPr>
+      </p:pic>
+      <p:sp>
+        <p:nvSpPr>
+          <p:cNvPr id="4" name="Объект 3"/>
+          <p:cNvSpPr>
+            <a:spLocks noGrp="1"/>
+          </p:cNvSpPr>
+          <p:nvPr>
+            <p:ph sz="half" idx="2"/>
+          </p:nvPr>
+        </p:nvSpPr>
+        <p:spPr/>
+        <p:txBody>
+          <a:bodyPr>
+            <a:normAutofit fontScale="92500" lnSpcReduction="10000"/>
+          </a:bodyPr>
+          <a:lstStyle/>
+          <a:p>
+            <a:pPr marL="0" indent="0">
+              <a:buNone/>
+            </a:pPr>
+            <a:r>
+              <a:rPr lang="ru-RU" b="1" dirty="0"/>
+              <a:t>Вывод:</a:t>
+            </a:r>
+            <a:r>
+              <a:rPr lang="ru-RU" dirty="0"/>
+              <a:t> По графику видно:</a:t>
+            </a:r>
+          </a:p>
+          <a:p>
+            <a:r>
+              <a:rPr lang="ru-RU" dirty="0"/>
+              <a:t>на не популярных улицах больше всего кафе</a:t>
+            </a:r>
+          </a:p>
+          <a:p>
+            <a:pPr marL="0" indent="0">
+              <a:buNone/>
+            </a:pPr>
+            <a:r>
+              <a:rPr lang="ru-RU" dirty="0"/>
+              <a:t>Можно предположить что связано это с тем, что такие заведения как столовая, бар, пиццерия и быстрое питание, открывают там где большой поток клиентов. А кафе, ресторан и кофейни, могут открывать в местах где нет конкурентов и без огромной проходимости</a:t>
+            </a:r>
+          </a:p>
+          <a:p>
+            <a:endParaRPr lang="en-GB" b="1" dirty="0"/>
+          </a:p>
+        </p:txBody>
+      </p:sp>
+      <p:sp>
+        <p:nvSpPr>
+          <p:cNvPr id="7" name="Номер слайда 6"/>
+          <p:cNvSpPr>
+            <a:spLocks noGrp="1"/>
+          </p:cNvSpPr>
+          <p:nvPr>
+            <p:ph type="sldNum" sz="quarter" idx="12"/>
+          </p:nvPr>
+        </p:nvSpPr>
+        <p:spPr/>
+        <p:txBody>
+          <a:bodyPr/>
+          <a:lstStyle/>
+          <a:p>
+            <a:fld id="{EE1F7792-A6BD-42CB-A73F-454C1624610B}" type="slidenum">
+              <a:rPr lang="en-GB" smtClean="0"/>
+              <a:t>14</a:t>
+            </a:fld>
+            <a:endParaRPr lang="en-GB"/>
+          </a:p>
+        </p:txBody>
+      </p:sp>
+    </p:spTree>
+    <p:extLst>
+      <p:ext uri="{BB962C8B-B14F-4D97-AF65-F5344CB8AC3E}">
+        <p14:creationId xmlns:p14="http://schemas.microsoft.com/office/powerpoint/2010/main" val="2070796000"/>
+      </p:ext>
+    </p:extLst>
+  </p:cSld>
+  <p:clrMapOvr>
+    <a:masterClrMapping/>
+  </p:clrMapOvr>
+</p:sld>
+</file>
+
+<file path=ppt/slides/slide15.xml><?xml version="1.0" encoding="utf-8"?>
+<p:sld xmlns:a="http://schemas.openxmlformats.org/drawingml/2006/main" xmlns:r="http://schemas.openxmlformats.org/officeDocument/2006/relationships" xmlns:p="http://schemas.openxmlformats.org/presentationml/2006/main">
+  <p:cSld>
+    <p:spTree>
+      <p:nvGrpSpPr>
+        <p:cNvPr id="1" name=""/>
+        <p:cNvGrpSpPr/>
+        <p:nvPr/>
+      </p:nvGrpSpPr>
+      <p:grpSpPr>
+        <a:xfrm>
+          <a:off x="0" y="0"/>
+          <a:ext cx="0" cy="0"/>
+          <a:chOff x="0" y="0"/>
+          <a:chExt cx="0" cy="0"/>
+        </a:xfrm>
+      </p:grpSpPr>
+      <p:sp>
+        <p:nvSpPr>
+          <p:cNvPr id="2" name="Заголовок 1"/>
+          <p:cNvSpPr>
+            <a:spLocks noGrp="1"/>
+          </p:cNvSpPr>
+          <p:nvPr>
+            <p:ph type="title"/>
+          </p:nvPr>
+        </p:nvSpPr>
+        <p:spPr/>
+        <p:txBody>
           <a:bodyPr>
             <a:normAutofit/>
           </a:bodyPr>
@@ -3726,6 +4399,29 @@
           </a:p>
           <a:p>
             <a:endParaRPr lang="en-GB" dirty="0"/>
+          </a:p>
+        </p:txBody>
+      </p:sp>
+      <p:sp>
+        <p:nvSpPr>
+          <p:cNvPr id="7" name="Номер слайда 6"/>
+          <p:cNvSpPr>
+            <a:spLocks noGrp="1"/>
+          </p:cNvSpPr>
+          <p:nvPr>
+            <p:ph type="sldNum" sz="quarter" idx="12"/>
+          </p:nvPr>
+        </p:nvSpPr>
+        <p:spPr/>
+        <p:txBody>
+          <a:bodyPr/>
+          <a:lstStyle/>
+          <a:p>
+            <a:fld id="{EE1F7792-A6BD-42CB-A73F-454C1624610B}" type="slidenum">
+              <a:rPr lang="en-GB" smtClean="0"/>
+              <a:t>15</a:t>
+            </a:fld>
+            <a:endParaRPr lang="en-GB"/>
           </a:p>
         </p:txBody>
       </p:sp>
@@ -3918,6 +4614,29 @@
           </a:p>
         </p:txBody>
       </p:sp>
+      <p:sp>
+        <p:nvSpPr>
+          <p:cNvPr id="6" name="Номер слайда 5"/>
+          <p:cNvSpPr>
+            <a:spLocks noGrp="1"/>
+          </p:cNvSpPr>
+          <p:nvPr>
+            <p:ph type="sldNum" sz="quarter" idx="12"/>
+          </p:nvPr>
+        </p:nvSpPr>
+        <p:spPr/>
+        <p:txBody>
+          <a:bodyPr/>
+          <a:lstStyle/>
+          <a:p>
+            <a:fld id="{EE1F7792-A6BD-42CB-A73F-454C1624610B}" type="slidenum">
+              <a:rPr lang="en-GB" smtClean="0"/>
+              <a:t>2</a:t>
+            </a:fld>
+            <a:endParaRPr lang="en-GB"/>
+          </a:p>
+        </p:txBody>
+      </p:sp>
     </p:spTree>
     <p:extLst>
       <p:ext uri="{BB962C8B-B14F-4D97-AF65-F5344CB8AC3E}">
@@ -3960,144 +4679,74 @@
         </p:nvSpPr>
         <p:spPr/>
         <p:txBody>
-          <a:bodyPr>
-            <a:normAutofit/>
-          </a:bodyPr>
-          <a:lstStyle/>
-          <a:p>
-            <a:r>
-              <a:rPr lang="ru-RU" b="1" i="1" dirty="0"/>
-              <a:t>1) Исследуем количество объектов общественного питания по </a:t>
-            </a:r>
-            <a:r>
-              <a:rPr lang="ru-RU" b="1" i="1" dirty="0" smtClean="0"/>
-              <a:t>категориям</a:t>
+          <a:bodyPr/>
+          <a:lstStyle/>
+          <a:p>
+            <a:r>
+              <a:rPr lang="ru-RU" b="1" dirty="0" smtClean="0"/>
+              <a:t>Цель и задачи:</a:t>
+            </a:r>
+            <a:endParaRPr lang="en-GB" b="1" dirty="0"/>
+          </a:p>
+        </p:txBody>
+      </p:sp>
+      <p:sp>
+        <p:nvSpPr>
+          <p:cNvPr id="3" name="Объект 2"/>
+          <p:cNvSpPr>
+            <a:spLocks noGrp="1"/>
+          </p:cNvSpPr>
+          <p:nvPr>
+            <p:ph idx="1"/>
+          </p:nvPr>
+        </p:nvSpPr>
+        <p:spPr/>
+        <p:txBody>
+          <a:bodyPr/>
+          <a:lstStyle/>
+          <a:p>
+            <a:pPr marL="0" indent="0">
+              <a:buNone/>
+            </a:pPr>
+            <a:r>
+              <a:rPr lang="ru-RU" dirty="0" smtClean="0"/>
+              <a:t>- подготовить </a:t>
+            </a:r>
+            <a:r>
+              <a:rPr lang="ru-RU" dirty="0"/>
+              <a:t>исследование рынка Москвы, найти интересные особенности и презентовать полученные результаты, которые в будущем помогут в выборе подходящего инвесторам места.</a:t>
             </a:r>
             <a:endParaRPr lang="en-GB" dirty="0"/>
           </a:p>
         </p:txBody>
       </p:sp>
-      <p:pic>
-        <p:nvPicPr>
-          <p:cNvPr id="6" name="Объект 5"/>
-          <p:cNvPicPr>
-            <a:picLocks noGrp="1" noChangeAspect="1"/>
-          </p:cNvPicPr>
-          <p:nvPr>
-            <p:ph sz="half" idx="1"/>
-          </p:nvPr>
-        </p:nvPicPr>
-        <p:blipFill>
-          <a:blip r:embed="rId2"/>
-          <a:stretch>
-            <a:fillRect/>
-          </a:stretch>
-        </p:blipFill>
-        <p:spPr>
-          <a:xfrm>
-            <a:off x="430427" y="2450201"/>
-            <a:ext cx="5181600" cy="2541929"/>
-          </a:xfrm>
-          <a:prstGeom prst="rect">
-            <a:avLst/>
-          </a:prstGeom>
-        </p:spPr>
-      </p:pic>
-      <p:sp>
-        <p:nvSpPr>
-          <p:cNvPr id="5" name="Объект 4"/>
-          <p:cNvSpPr>
-            <a:spLocks noGrp="1"/>
-          </p:cNvSpPr>
-          <p:nvPr>
-            <p:ph sz="half" idx="2"/>
-          </p:nvPr>
-        </p:nvSpPr>
-        <p:spPr/>
-        <p:txBody>
-          <a:bodyPr>
-            <a:normAutofit fontScale="77500" lnSpcReduction="20000"/>
-          </a:bodyPr>
-          <a:lstStyle/>
-          <a:p>
-            <a:pPr marL="0" indent="0">
-              <a:buNone/>
-            </a:pPr>
-            <a:r>
-              <a:rPr lang="ru-RU" b="1" dirty="0"/>
-              <a:t>Вывод:</a:t>
-            </a:r>
-            <a:r>
-              <a:rPr lang="ru-RU" dirty="0"/>
-              <a:t> Список заведений по категориям (по убыванию):</a:t>
-            </a:r>
-          </a:p>
-          <a:p>
-            <a:r>
-              <a:rPr lang="ru-RU" dirty="0"/>
-              <a:t>28,3% - кафе,</a:t>
-            </a:r>
-          </a:p>
-          <a:p>
-            <a:r>
-              <a:rPr lang="ru-RU" dirty="0"/>
-              <a:t>24,3% - ресторан,</a:t>
-            </a:r>
-          </a:p>
-          <a:p>
-            <a:r>
-              <a:rPr lang="ru-RU" dirty="0"/>
-              <a:t>16,8% - кофейня,</a:t>
-            </a:r>
-          </a:p>
-          <a:p>
-            <a:r>
-              <a:rPr lang="ru-RU" dirty="0"/>
-              <a:t>9,1% - бар/паб,</a:t>
-            </a:r>
-          </a:p>
-          <a:p>
-            <a:r>
-              <a:rPr lang="ru-RU" dirty="0"/>
-              <a:t>7,53% - пиццерия,</a:t>
-            </a:r>
-          </a:p>
-          <a:p>
-            <a:r>
-              <a:rPr lang="ru-RU" dirty="0"/>
-              <a:t>7,17% - быстрое питание,</a:t>
-            </a:r>
-          </a:p>
-          <a:p>
-            <a:r>
-              <a:rPr lang="ru-RU" dirty="0"/>
-              <a:t>3,75% - столовая,</a:t>
-            </a:r>
-          </a:p>
-          <a:p>
-            <a:r>
-              <a:rPr lang="ru-RU" dirty="0"/>
-              <a:t>3,05% - булочная.</a:t>
-            </a:r>
-          </a:p>
-          <a:p>
-            <a:pPr marL="0" indent="0">
-              <a:buNone/>
-            </a:pPr>
-            <a:r>
-              <a:rPr lang="ru-RU" dirty="0"/>
-              <a:t>Ожидаемо больше всего заведений в категориях кафе, ресторан и кофейня. Остальные типы значительно меньше.</a:t>
-            </a:r>
-          </a:p>
-          <a:p>
-            <a:endParaRPr lang="en-GB" dirty="0"/>
+      <p:sp>
+        <p:nvSpPr>
+          <p:cNvPr id="4" name="Номер слайда 3"/>
+          <p:cNvSpPr>
+            <a:spLocks noGrp="1"/>
+          </p:cNvSpPr>
+          <p:nvPr>
+            <p:ph type="sldNum" sz="quarter" idx="12"/>
+          </p:nvPr>
+        </p:nvSpPr>
+        <p:spPr/>
+        <p:txBody>
+          <a:bodyPr/>
+          <a:lstStyle/>
+          <a:p>
+            <a:fld id="{EE1F7792-A6BD-42CB-A73F-454C1624610B}" type="slidenum">
+              <a:rPr lang="en-GB" smtClean="0"/>
+              <a:t>3</a:t>
+            </a:fld>
+            <a:endParaRPr lang="en-GB"/>
           </a:p>
         </p:txBody>
       </p:sp>
     </p:spTree>
     <p:extLst>
       <p:ext uri="{BB962C8B-B14F-4D97-AF65-F5344CB8AC3E}">
-        <p14:creationId xmlns:p14="http://schemas.microsoft.com/office/powerpoint/2010/main" val="4272981546"/>
+        <p14:creationId xmlns:p14="http://schemas.microsoft.com/office/powerpoint/2010/main" val="4202514236"/>
       </p:ext>
     </p:extLst>
   </p:cSld>
@@ -4143,7 +4792,7 @@
           <a:p>
             <a:r>
               <a:rPr lang="ru-RU" b="1" i="1" dirty="0"/>
-              <a:t>2) Исследуем количество посадочных мест в местах по </a:t>
+              <a:t>1) Исследуем количество объектов общественного питания по </a:t>
             </a:r>
             <a:r>
               <a:rPr lang="ru-RU" b="1" i="1" dirty="0" smtClean="0"/>
@@ -4153,9 +4802,162 @@
           </a:p>
         </p:txBody>
       </p:sp>
+      <p:sp>
+        <p:nvSpPr>
+          <p:cNvPr id="5" name="Объект 4"/>
+          <p:cNvSpPr>
+            <a:spLocks noGrp="1"/>
+          </p:cNvSpPr>
+          <p:nvPr>
+            <p:ph sz="half" idx="2"/>
+          </p:nvPr>
+        </p:nvSpPr>
+        <p:spPr/>
+        <p:txBody>
+          <a:bodyPr>
+            <a:normAutofit fontScale="70000" lnSpcReduction="20000"/>
+          </a:bodyPr>
+          <a:lstStyle/>
+          <a:p>
+            <a:pPr marL="0" indent="0">
+              <a:buNone/>
+            </a:pPr>
+            <a:r>
+              <a:rPr lang="ru-RU" b="1" dirty="0"/>
+              <a:t>Вывод:</a:t>
+            </a:r>
+            <a:r>
+              <a:rPr lang="ru-RU" dirty="0"/>
+              <a:t> Список заведений по категориям (по убыванию</a:t>
+            </a:r>
+            <a:r>
+              <a:rPr lang="ru-RU" dirty="0" smtClean="0"/>
+              <a:t>):</a:t>
+            </a:r>
+            <a:endParaRPr lang="ru-RU" dirty="0"/>
+          </a:p>
+          <a:p>
+            <a:r>
+              <a:rPr lang="ru-RU" dirty="0"/>
+              <a:t>28,3%(2378) - кафе</a:t>
+            </a:r>
+            <a:r>
+              <a:rPr lang="ru-RU" dirty="0" smtClean="0"/>
+              <a:t>,</a:t>
+            </a:r>
+            <a:endParaRPr lang="ru-RU" dirty="0"/>
+          </a:p>
+          <a:p>
+            <a:r>
+              <a:rPr lang="ru-RU" dirty="0" smtClean="0"/>
+              <a:t>24,3%(</a:t>
+            </a:r>
+            <a:r>
+              <a:rPr lang="ru-RU" dirty="0"/>
+              <a:t>2043) - ресторан</a:t>
+            </a:r>
+            <a:r>
+              <a:rPr lang="ru-RU" dirty="0" smtClean="0"/>
+              <a:t>,</a:t>
+            </a:r>
+            <a:endParaRPr lang="ru-RU" dirty="0"/>
+          </a:p>
+          <a:p>
+            <a:r>
+              <a:rPr lang="ru-RU" dirty="0"/>
+              <a:t>16,8%(1413) - кофейня</a:t>
+            </a:r>
+            <a:r>
+              <a:rPr lang="ru-RU" dirty="0" smtClean="0"/>
+              <a:t>,</a:t>
+            </a:r>
+            <a:endParaRPr lang="ru-RU" dirty="0"/>
+          </a:p>
+          <a:p>
+            <a:r>
+              <a:rPr lang="ru-RU" dirty="0"/>
+              <a:t>9,1%(765) - бар/паб, </a:t>
+            </a:r>
+          </a:p>
+          <a:p>
+            <a:r>
+              <a:rPr lang="ru-RU" dirty="0" smtClean="0"/>
+              <a:t>7,53</a:t>
+            </a:r>
+            <a:r>
+              <a:rPr lang="ru-RU" dirty="0"/>
+              <a:t>%(633) - пиццерия, </a:t>
+            </a:r>
+          </a:p>
+          <a:p>
+            <a:r>
+              <a:rPr lang="ru-RU" dirty="0"/>
+              <a:t>7,17%(603) - быстрое питание</a:t>
+            </a:r>
+            <a:r>
+              <a:rPr lang="ru-RU" dirty="0" smtClean="0"/>
+              <a:t>,</a:t>
+            </a:r>
+            <a:endParaRPr lang="ru-RU" dirty="0"/>
+          </a:p>
+          <a:p>
+            <a:r>
+              <a:rPr lang="ru-RU" dirty="0"/>
+              <a:t>3,75%(315) - столовая</a:t>
+            </a:r>
+            <a:r>
+              <a:rPr lang="ru-RU" dirty="0" smtClean="0"/>
+              <a:t>,</a:t>
+            </a:r>
+            <a:endParaRPr lang="ru-RU" dirty="0"/>
+          </a:p>
+          <a:p>
+            <a:r>
+              <a:rPr lang="ru-RU" dirty="0"/>
+              <a:t>3,05%(256) - булочная.</a:t>
+            </a:r>
+          </a:p>
+          <a:p>
+            <a:endParaRPr lang="ru-RU" dirty="0"/>
+          </a:p>
+          <a:p>
+            <a:pPr marL="0" indent="0">
+              <a:buNone/>
+            </a:pPr>
+            <a:r>
+              <a:rPr lang="ru-RU" dirty="0"/>
+              <a:t>Ожидаемо больше всего заведений в категориях кафе, ресторан и кофейня. Остальные типы значительно меньше.</a:t>
+            </a:r>
+            <a:endParaRPr lang="en-GB" dirty="0"/>
+          </a:p>
+        </p:txBody>
+      </p:sp>
+      <p:sp>
+        <p:nvSpPr>
+          <p:cNvPr id="7" name="Номер слайда 6"/>
+          <p:cNvSpPr>
+            <a:spLocks noGrp="1"/>
+          </p:cNvSpPr>
+          <p:nvPr>
+            <p:ph type="sldNum" sz="quarter" idx="12"/>
+          </p:nvPr>
+        </p:nvSpPr>
+        <p:spPr/>
+        <p:txBody>
+          <a:bodyPr/>
+          <a:lstStyle/>
+          <a:p>
+            <a:fld id="{EE1F7792-A6BD-42CB-A73F-454C1624610B}" type="slidenum">
+              <a:rPr lang="en-GB" smtClean="0"/>
+              <a:t>4</a:t>
+            </a:fld>
+            <a:endParaRPr lang="en-GB"/>
+          </a:p>
+        </p:txBody>
+      </p:sp>
       <p:pic>
         <p:nvPicPr>
-          <p:cNvPr id="5" name="Объект 4"/>
+          <p:cNvPr id="9" name="Объект 8"/>
           <p:cNvPicPr>
             <a:picLocks noGrp="1" noChangeAspect="1"/>
           </p:cNvPicPr>
@@ -4164,103 +4966,28 @@
           </p:nvPr>
         </p:nvPicPr>
         <p:blipFill>
-          <a:blip r:embed="rId2"/>
+          <a:blip r:embed="rId2">
+            <a:extLst>
+              <a:ext uri="{28A0092B-C50C-407E-A947-70E740481C1C}">
+                <a14:useLocalDpi xmlns:a14="http://schemas.microsoft.com/office/drawing/2010/main" val="0"/>
+              </a:ext>
+            </a:extLst>
+          </a:blip>
           <a:stretch>
             <a:fillRect/>
           </a:stretch>
         </p:blipFill>
         <p:spPr>
           <a:xfrm>
-            <a:off x="838200" y="2737613"/>
-            <a:ext cx="5181600" cy="2527362"/>
+            <a:off x="640492" y="2683491"/>
+            <a:ext cx="5181600" cy="2635605"/>
           </a:xfrm>
-          <a:prstGeom prst="rect">
-            <a:avLst/>
-          </a:prstGeom>
         </p:spPr>
       </p:pic>
-      <p:sp>
-        <p:nvSpPr>
-          <p:cNvPr id="4" name="Объект 3"/>
-          <p:cNvSpPr>
-            <a:spLocks noGrp="1"/>
-          </p:cNvSpPr>
-          <p:nvPr>
-            <p:ph sz="half" idx="2"/>
-          </p:nvPr>
-        </p:nvSpPr>
-        <p:spPr/>
-        <p:txBody>
-          <a:bodyPr>
-            <a:normAutofit fontScale="77500" lnSpcReduction="20000"/>
-          </a:bodyPr>
-          <a:lstStyle/>
-          <a:p>
-            <a:pPr marL="0" indent="0">
-              <a:buNone/>
-            </a:pPr>
-            <a:r>
-              <a:rPr lang="ru-RU" b="1" dirty="0"/>
-              <a:t>Вывод:</a:t>
-            </a:r>
-            <a:endParaRPr lang="ru-RU" dirty="0"/>
-          </a:p>
-          <a:p>
-            <a:pPr marL="0" indent="0">
-              <a:buNone/>
-            </a:pPr>
-            <a:r>
-              <a:rPr lang="ru-RU" dirty="0"/>
-              <a:t>На графике хорошо видно:</a:t>
-            </a:r>
-          </a:p>
-          <a:p>
-            <a:r>
-              <a:rPr lang="ru-RU" dirty="0"/>
-              <a:t>что во всех категориях заведений </a:t>
-            </a:r>
-            <a:r>
-              <a:rPr lang="ru-RU" dirty="0" err="1"/>
-              <a:t>приобладает</a:t>
-            </a:r>
-            <a:r>
-              <a:rPr lang="ru-RU" dirty="0"/>
-              <a:t> категория мест среднего размера (от 21 до 80 посадочных мест)</a:t>
-            </a:r>
-          </a:p>
-          <a:p>
-            <a:r>
-              <a:rPr lang="ru-RU" dirty="0"/>
-              <a:t>далее в во всех категория идет заведение очень большего размера (от 121 посадочного места)</a:t>
-            </a:r>
-          </a:p>
-          <a:p>
-            <a:r>
-              <a:rPr lang="ru-RU" dirty="0"/>
-              <a:t>потом заведения большего размера (от 81 до 120 посадочных мест)</a:t>
-            </a:r>
-          </a:p>
-          <a:p>
-            <a:r>
-              <a:rPr lang="ru-RU" dirty="0"/>
-              <a:t>и заведения маленького размера (от 1 до 20 посадочных мест)</a:t>
-            </a:r>
-          </a:p>
-          <a:p>
-            <a:r>
-              <a:rPr lang="ru-RU" dirty="0"/>
-              <a:t>без посадочных мест заведений минимальное кол-во</a:t>
-            </a:r>
-          </a:p>
-          <a:p>
-            <a:endParaRPr lang="en-GB" dirty="0"/>
-          </a:p>
-        </p:txBody>
-      </p:sp>
     </p:spTree>
     <p:extLst>
       <p:ext uri="{BB962C8B-B14F-4D97-AF65-F5344CB8AC3E}">
-        <p14:creationId xmlns:p14="http://schemas.microsoft.com/office/powerpoint/2010/main" val="251126699"/>
+        <p14:creationId xmlns:p14="http://schemas.microsoft.com/office/powerpoint/2010/main" val="4272981546"/>
       </p:ext>
     </p:extLst>
   </p:cSld>
@@ -4300,17 +5027,17 @@
         <p:spPr/>
         <p:txBody>
           <a:bodyPr>
-            <a:normAutofit fontScale="90000"/>
+            <a:normAutofit/>
           </a:bodyPr>
           <a:lstStyle/>
           <a:p>
             <a:r>
               <a:rPr lang="ru-RU" b="1" i="1" dirty="0"/>
-              <a:t>3) Рассмотрим и изобразим соотношение сетевых и несетевых заведений в </a:t>
-            </a:r>
-            <a:r>
-              <a:rPr lang="ru-RU" b="1" i="1" dirty="0" err="1"/>
-              <a:t>датасете</a:t>
+              <a:t>2) Исследуем количество посадочных мест в местах по </a:t>
+            </a:r>
+            <a:r>
+              <a:rPr lang="ru-RU" b="1" i="1" dirty="0" smtClean="0"/>
+              <a:t>категориям</a:t>
             </a:r>
             <a:endParaRPr lang="en-GB" dirty="0"/>
           </a:p>
@@ -4326,16 +5053,15 @@
             <p:ph sz="half" idx="1"/>
           </p:nvPr>
         </p:nvPicPr>
-        <p:blipFill>
+        <p:blipFill rotWithShape="1">
           <a:blip r:embed="rId2"/>
-          <a:stretch>
-            <a:fillRect/>
-          </a:stretch>
+          <a:srcRect l="-295" t="-1611" r="-281" b="-1590"/>
+          <a:stretch/>
         </p:blipFill>
         <p:spPr>
           <a:xfrm>
-            <a:off x="838200" y="2765760"/>
-            <a:ext cx="5181600" cy="2471067"/>
+            <a:off x="475736" y="2650524"/>
+            <a:ext cx="5609968" cy="2807719"/>
           </a:xfrm>
           <a:prstGeom prst="rect">
             <a:avLst/>
@@ -4355,7 +5081,7 @@
         <p:spPr/>
         <p:txBody>
           <a:bodyPr>
-            <a:normAutofit fontScale="85000" lnSpcReduction="20000"/>
+            <a:normAutofit fontScale="77500" lnSpcReduction="20000"/>
           </a:bodyPr>
           <a:lstStyle/>
           <a:p>
@@ -4369,62 +5095,84 @@
             <a:endParaRPr lang="ru-RU" dirty="0"/>
           </a:p>
           <a:p>
-            <a:r>
-              <a:rPr lang="ru-RU" dirty="0"/>
-              <a:t>Самые большие проценты сетевых заведений в следующих категориях:</a:t>
-            </a:r>
-          </a:p>
-          <a:p>
-            <a:r>
-              <a:rPr lang="ru-RU" dirty="0"/>
-              <a:t>60% булочная</a:t>
-            </a:r>
-          </a:p>
-          <a:p>
-            <a:r>
-              <a:rPr lang="ru-RU" dirty="0"/>
-              <a:t>50% кофейня и пиццерия</a:t>
-            </a:r>
-          </a:p>
-          <a:p>
-            <a:r>
-              <a:rPr lang="ru-RU" dirty="0"/>
-              <a:t>40% ресторан и быстрое питание</a:t>
-            </a:r>
-          </a:p>
-          <a:p>
-            <a:r>
-              <a:rPr lang="ru-RU" dirty="0"/>
-              <a:t>Самые большие проценты несетевых заведений в следующих категориях:</a:t>
-            </a:r>
-          </a:p>
-          <a:p>
-            <a:r>
-              <a:rPr lang="ru-RU" dirty="0"/>
-              <a:t>80% бар, паб</a:t>
-            </a:r>
-          </a:p>
-          <a:p>
-            <a:r>
-              <a:rPr lang="ru-RU" dirty="0"/>
-              <a:t>70% кафе и столовая</a:t>
-            </a:r>
-          </a:p>
-          <a:p>
-            <a:r>
-              <a:rPr lang="ru-RU" dirty="0"/>
-              <a:t>60% быстрое питание и ресторан</a:t>
+            <a:pPr marL="0" indent="0">
+              <a:buNone/>
+            </a:pPr>
+            <a:r>
+              <a:rPr lang="ru-RU" dirty="0"/>
+              <a:t>На графике хорошо видно:</a:t>
+            </a:r>
+          </a:p>
+          <a:p>
+            <a:r>
+              <a:rPr lang="ru-RU" dirty="0"/>
+              <a:t>что во всех категориях заведений </a:t>
+            </a:r>
+            <a:r>
+              <a:rPr lang="ru-RU" dirty="0" err="1"/>
+              <a:t>приобладает</a:t>
+            </a:r>
+            <a:r>
+              <a:rPr lang="ru-RU" dirty="0"/>
+              <a:t> категория мест среднего размера (от 21 до 80 посадочных мест)</a:t>
+            </a:r>
+          </a:p>
+          <a:p>
+            <a:r>
+              <a:rPr lang="ru-RU" dirty="0"/>
+              <a:t>далее в во всех категория идет заведение очень большего размера (от 121 посадочного места)</a:t>
+            </a:r>
+          </a:p>
+          <a:p>
+            <a:r>
+              <a:rPr lang="ru-RU" dirty="0"/>
+              <a:t>потом заведения большего размера (от 81 до 120 посадочных мест)</a:t>
+            </a:r>
+          </a:p>
+          <a:p>
+            <a:r>
+              <a:rPr lang="ru-RU" dirty="0"/>
+              <a:t>и заведения маленького размера (от 1 до 20 посадочных мест)</a:t>
+            </a:r>
+          </a:p>
+          <a:p>
+            <a:r>
+              <a:rPr lang="ru-RU" dirty="0"/>
+              <a:t>без посадочных мест заведений минимальное кол-во</a:t>
             </a:r>
           </a:p>
           <a:p>
             <a:endParaRPr lang="en-GB" dirty="0"/>
+          </a:p>
+        </p:txBody>
+      </p:sp>
+      <p:sp>
+        <p:nvSpPr>
+          <p:cNvPr id="7" name="Номер слайда 6"/>
+          <p:cNvSpPr>
+            <a:spLocks noGrp="1"/>
+          </p:cNvSpPr>
+          <p:nvPr>
+            <p:ph type="sldNum" sz="quarter" idx="12"/>
+          </p:nvPr>
+        </p:nvSpPr>
+        <p:spPr/>
+        <p:txBody>
+          <a:bodyPr/>
+          <a:lstStyle/>
+          <a:p>
+            <a:fld id="{EE1F7792-A6BD-42CB-A73F-454C1624610B}" type="slidenum">
+              <a:rPr lang="en-GB" smtClean="0"/>
+              <a:t>5</a:t>
+            </a:fld>
+            <a:endParaRPr lang="en-GB"/>
           </a:p>
         </p:txBody>
       </p:sp>
     </p:spTree>
     <p:extLst>
       <p:ext uri="{BB962C8B-B14F-4D97-AF65-F5344CB8AC3E}">
-        <p14:creationId xmlns:p14="http://schemas.microsoft.com/office/powerpoint/2010/main" val="4083932058"/>
+        <p14:creationId xmlns:p14="http://schemas.microsoft.com/office/powerpoint/2010/main" val="251126699"/>
       </p:ext>
     </p:extLst>
   </p:cSld>
@@ -4470,7 +5218,11 @@
           <a:p>
             <a:r>
               <a:rPr lang="ru-RU" b="1" i="1" dirty="0"/>
-              <a:t>4) Сгруппируем данные по названиям заведений и найдите топ-15 популярных сетей в Москве</a:t>
+              <a:t>3) Рассмотрим и изобразим соотношение сетевых и несетевых заведений в </a:t>
+            </a:r>
+            <a:r>
+              <a:rPr lang="ru-RU" b="1" i="1" dirty="0" err="1"/>
+              <a:t>датасете</a:t>
             </a:r>
             <a:endParaRPr lang="en-GB" dirty="0"/>
           </a:p>
@@ -4494,44 +5246,120 @@
         </p:blipFill>
         <p:spPr>
           <a:xfrm>
-            <a:off x="838200" y="2664107"/>
-            <a:ext cx="5181600" cy="2674374"/>
+            <a:off x="566352" y="2765760"/>
+            <a:ext cx="5181600" cy="2471067"/>
           </a:xfrm>
           <a:prstGeom prst="rect">
             <a:avLst/>
           </a:prstGeom>
         </p:spPr>
       </p:pic>
-      <p:pic>
-        <p:nvPicPr>
-          <p:cNvPr id="10" name="Объект 9"/>
-          <p:cNvPicPr>
-            <a:picLocks noGrp="1" noChangeAspect="1"/>
-          </p:cNvPicPr>
+      <p:sp>
+        <p:nvSpPr>
+          <p:cNvPr id="4" name="Объект 3"/>
+          <p:cNvSpPr>
+            <a:spLocks noGrp="1"/>
+          </p:cNvSpPr>
           <p:nvPr>
             <p:ph sz="half" idx="2"/>
           </p:nvPr>
-        </p:nvPicPr>
-        <p:blipFill>
-          <a:blip r:embed="rId3"/>
-          <a:stretch>
-            <a:fillRect/>
-          </a:stretch>
-        </p:blipFill>
-        <p:spPr>
-          <a:xfrm>
-            <a:off x="6172200" y="2707185"/>
-            <a:ext cx="5181600" cy="2588217"/>
-          </a:xfrm>
-          <a:prstGeom prst="rect">
-            <a:avLst/>
-          </a:prstGeom>
-        </p:spPr>
-      </p:pic>
+        </p:nvSpPr>
+        <p:spPr/>
+        <p:txBody>
+          <a:bodyPr>
+            <a:normAutofit fontScale="85000" lnSpcReduction="20000"/>
+          </a:bodyPr>
+          <a:lstStyle/>
+          <a:p>
+            <a:pPr marL="0" indent="0">
+              <a:buNone/>
+            </a:pPr>
+            <a:r>
+              <a:rPr lang="ru-RU" b="1" dirty="0"/>
+              <a:t>Вывод:</a:t>
+            </a:r>
+            <a:endParaRPr lang="ru-RU" dirty="0"/>
+          </a:p>
+          <a:p>
+            <a:r>
+              <a:rPr lang="ru-RU" dirty="0"/>
+              <a:t>Самые большие проценты сетевых заведений в следующих категориях:</a:t>
+            </a:r>
+          </a:p>
+          <a:p>
+            <a:r>
+              <a:rPr lang="ru-RU" dirty="0"/>
+              <a:t>60% булочная</a:t>
+            </a:r>
+          </a:p>
+          <a:p>
+            <a:r>
+              <a:rPr lang="ru-RU" dirty="0"/>
+              <a:t>50% кофейня и пиццерия</a:t>
+            </a:r>
+          </a:p>
+          <a:p>
+            <a:r>
+              <a:rPr lang="ru-RU" dirty="0"/>
+              <a:t>40% ресторан и быстрое питание</a:t>
+            </a:r>
+          </a:p>
+          <a:p>
+            <a:r>
+              <a:rPr lang="ru-RU" dirty="0"/>
+              <a:t>Самые большие проценты несетевых заведений в следующих категориях:</a:t>
+            </a:r>
+          </a:p>
+          <a:p>
+            <a:r>
+              <a:rPr lang="ru-RU" dirty="0"/>
+              <a:t>80% бар, паб</a:t>
+            </a:r>
+          </a:p>
+          <a:p>
+            <a:r>
+              <a:rPr lang="ru-RU" dirty="0"/>
+              <a:t>70% кафе и столовая</a:t>
+            </a:r>
+          </a:p>
+          <a:p>
+            <a:r>
+              <a:rPr lang="ru-RU" dirty="0"/>
+              <a:t>60% быстрое питание и ресторан</a:t>
+            </a:r>
+          </a:p>
+          <a:p>
+            <a:endParaRPr lang="en-GB" dirty="0"/>
+          </a:p>
+        </p:txBody>
+      </p:sp>
+      <p:sp>
+        <p:nvSpPr>
+          <p:cNvPr id="7" name="Номер слайда 6"/>
+          <p:cNvSpPr>
+            <a:spLocks noGrp="1"/>
+          </p:cNvSpPr>
+          <p:nvPr>
+            <p:ph type="sldNum" sz="quarter" idx="12"/>
+          </p:nvPr>
+        </p:nvSpPr>
+        <p:spPr/>
+        <p:txBody>
+          <a:bodyPr/>
+          <a:lstStyle/>
+          <a:p>
+            <a:fld id="{EE1F7792-A6BD-42CB-A73F-454C1624610B}" type="slidenum">
+              <a:rPr lang="en-GB" smtClean="0"/>
+              <a:t>6</a:t>
+            </a:fld>
+            <a:endParaRPr lang="en-GB"/>
+          </a:p>
+        </p:txBody>
+      </p:sp>
     </p:spTree>
     <p:extLst>
       <p:ext uri="{BB962C8B-B14F-4D97-AF65-F5344CB8AC3E}">
-        <p14:creationId xmlns:p14="http://schemas.microsoft.com/office/powerpoint/2010/main" val="2361756095"/>
+        <p14:creationId xmlns:p14="http://schemas.microsoft.com/office/powerpoint/2010/main" val="4083932058"/>
       </p:ext>
     </p:extLst>
   </p:cSld>
@@ -4576,7 +5404,7 @@
           <a:lstStyle/>
           <a:p>
             <a:r>
-              <a:rPr lang="ru-RU" b="1" i="1" dirty="0" smtClean="0"/>
+              <a:rPr lang="ru-RU" b="1" i="1" dirty="0"/>
               <a:t>4) Сгруппируем данные по названиям заведений и найдите топ-15 популярных сетей в Москве</a:t>
             </a:r>
             <a:endParaRPr lang="en-GB" dirty="0"/>
@@ -4601,79 +5429,67 @@
         </p:blipFill>
         <p:spPr>
           <a:xfrm>
-            <a:off x="838200" y="2699411"/>
-            <a:ext cx="5181600" cy="2603766"/>
+            <a:off x="838200" y="2664107"/>
+            <a:ext cx="5181600" cy="2674374"/>
           </a:xfrm>
           <a:prstGeom prst="rect">
             <a:avLst/>
           </a:prstGeom>
         </p:spPr>
       </p:pic>
-      <p:sp>
-        <p:nvSpPr>
-          <p:cNvPr id="4" name="Объект 3"/>
-          <p:cNvSpPr>
-            <a:spLocks noGrp="1"/>
-          </p:cNvSpPr>
+      <p:pic>
+        <p:nvPicPr>
+          <p:cNvPr id="10" name="Объект 9"/>
+          <p:cNvPicPr>
+            <a:picLocks noGrp="1" noChangeAspect="1"/>
+          </p:cNvPicPr>
           <p:nvPr>
             <p:ph sz="half" idx="2"/>
           </p:nvPr>
-        </p:nvSpPr>
-        <p:spPr/>
-        <p:txBody>
-          <a:bodyPr>
-            <a:normAutofit fontScale="85000" lnSpcReduction="20000"/>
-          </a:bodyPr>
-          <a:lstStyle/>
-          <a:p>
-            <a:pPr marL="0" indent="0">
-              <a:buNone/>
-            </a:pPr>
-            <a:r>
-              <a:rPr lang="ru-RU" b="1" dirty="0"/>
-              <a:t>Вывод:</a:t>
-            </a:r>
-            <a:endParaRPr lang="ru-RU" dirty="0"/>
-          </a:p>
-          <a:p>
-            <a:r>
-              <a:rPr lang="ru-RU" dirty="0"/>
-              <a:t>Составив ТОП-15 самых популярных заведений, получили:</a:t>
-            </a:r>
-          </a:p>
-          <a:p>
-            <a:r>
-              <a:rPr lang="ru-RU" dirty="0"/>
-              <a:t>почти все заведения, либо расположены в центре города, либо равномерно покрывают весь город</a:t>
-            </a:r>
-          </a:p>
-          <a:p>
-            <a:r>
-              <a:rPr lang="ru-RU" dirty="0"/>
-              <a:t>самые популярные категории кофейня, кафе, ресторан, пиццерия и булочная</a:t>
-            </a:r>
-          </a:p>
-          <a:p>
-            <a:r>
-              <a:rPr lang="ru-RU" dirty="0"/>
-              <a:t>средний рейтинг у всех заведений находиться в промежутке от 3.9 до 4.5</a:t>
-            </a:r>
-          </a:p>
-          <a:p>
-            <a:r>
-              <a:rPr lang="ru-RU" dirty="0"/>
-              <a:t>данных по ценам очень мало, поэтому по ним сказать нечего</a:t>
-            </a:r>
-          </a:p>
-          <a:p>
-            <a:endParaRPr lang="en-GB" dirty="0"/>
+        </p:nvPicPr>
+        <p:blipFill>
+          <a:blip r:embed="rId3"/>
+          <a:stretch>
+            <a:fillRect/>
+          </a:stretch>
+        </p:blipFill>
+        <p:spPr>
+          <a:xfrm>
+            <a:off x="6172200" y="2707185"/>
+            <a:ext cx="5181600" cy="2588217"/>
+          </a:xfrm>
+          <a:prstGeom prst="rect">
+            <a:avLst/>
+          </a:prstGeom>
+        </p:spPr>
+      </p:pic>
+      <p:sp>
+        <p:nvSpPr>
+          <p:cNvPr id="6" name="Номер слайда 5"/>
+          <p:cNvSpPr>
+            <a:spLocks noGrp="1"/>
+          </p:cNvSpPr>
+          <p:nvPr>
+            <p:ph type="sldNum" sz="quarter" idx="12"/>
+          </p:nvPr>
+        </p:nvSpPr>
+        <p:spPr/>
+        <p:txBody>
+          <a:bodyPr/>
+          <a:lstStyle/>
+          <a:p>
+            <a:fld id="{EE1F7792-A6BD-42CB-A73F-454C1624610B}" type="slidenum">
+              <a:rPr lang="en-GB" smtClean="0"/>
+              <a:t>7</a:t>
+            </a:fld>
+            <a:endParaRPr lang="en-GB"/>
           </a:p>
         </p:txBody>
       </p:sp>
     </p:spTree>
     <p:extLst>
       <p:ext uri="{BB962C8B-B14F-4D97-AF65-F5344CB8AC3E}">
-        <p14:creationId xmlns:p14="http://schemas.microsoft.com/office/powerpoint/2010/main" val="4292135235"/>
+        <p14:creationId xmlns:p14="http://schemas.microsoft.com/office/powerpoint/2010/main" val="2361756095"/>
       </p:ext>
     </p:extLst>
   </p:cSld>
@@ -4718,12 +5534,8 @@
           <a:lstStyle/>
           <a:p>
             <a:r>
-              <a:rPr lang="ru-RU" b="1" i="1" dirty="0"/>
-              <a:t>5) Отобразим общее количество заведений и количество заведений каждой категории по </a:t>
-            </a:r>
-            <a:r>
               <a:rPr lang="ru-RU" b="1" i="1" dirty="0" smtClean="0"/>
-              <a:t>районам</a:t>
+              <a:t>4) Сгруппируем данные по названиям заведений и найдите топ-15 популярных сетей в Москве</a:t>
             </a:r>
             <a:endParaRPr lang="en-GB" dirty="0"/>
           </a:p>
@@ -4747,8 +5559,8 @@
         </p:blipFill>
         <p:spPr>
           <a:xfrm>
-            <a:off x="838200" y="2722921"/>
-            <a:ext cx="5181600" cy="2556745"/>
+            <a:off x="584886" y="2699411"/>
+            <a:ext cx="5181600" cy="2603766"/>
           </a:xfrm>
           <a:prstGeom prst="rect">
             <a:avLst/>
@@ -4768,7 +5580,7 @@
         <p:spPr/>
         <p:txBody>
           <a:bodyPr>
-            <a:normAutofit fontScale="92500" lnSpcReduction="10000"/>
+            <a:normAutofit fontScale="85000" lnSpcReduction="20000"/>
           </a:bodyPr>
           <a:lstStyle/>
           <a:p>
@@ -4782,31 +5594,67 @@
             <a:endParaRPr lang="ru-RU" dirty="0"/>
           </a:p>
           <a:p>
-            <a:pPr marL="0" indent="0">
-              <a:buNone/>
-            </a:pPr>
-            <a:r>
-              <a:rPr lang="ru-RU" dirty="0"/>
-              <a:t>Ожидаемо больше всего заведений в ЦАО (Центральный административный округ), так же в нем в отличие от других районов, </a:t>
-            </a:r>
-            <a:r>
-              <a:rPr lang="ru-RU" dirty="0" err="1"/>
-              <a:t>бреобладают</a:t>
-            </a:r>
-            <a:r>
-              <a:rPr lang="ru-RU" dirty="0"/>
-              <a:t> рестораны. В остальных районах количество заведений не сильно разница, выделить можно только СЗАО (Северо-Западный административный округ) с наименьшим количеством заведений.</a:t>
+            <a:r>
+              <a:rPr lang="ru-RU" dirty="0"/>
+              <a:t>Составив ТОП-15 самых популярных заведений, получили:</a:t>
+            </a:r>
+          </a:p>
+          <a:p>
+            <a:r>
+              <a:rPr lang="ru-RU" dirty="0"/>
+              <a:t>почти все заведения, либо расположены в центре города, либо равномерно покрывают весь город</a:t>
+            </a:r>
+          </a:p>
+          <a:p>
+            <a:r>
+              <a:rPr lang="ru-RU" dirty="0"/>
+              <a:t>самые популярные категории кофейня, кафе, ресторан, пиццерия и булочная</a:t>
+            </a:r>
+          </a:p>
+          <a:p>
+            <a:r>
+              <a:rPr lang="ru-RU" dirty="0"/>
+              <a:t>средний рейтинг у всех заведений находиться в промежутке от 3.9 до 4.5</a:t>
+            </a:r>
+          </a:p>
+          <a:p>
+            <a:r>
+              <a:rPr lang="ru-RU" dirty="0"/>
+              <a:t>данных по ценам очень мало, поэтому по ним сказать нечего</a:t>
             </a:r>
           </a:p>
           <a:p>
             <a:endParaRPr lang="en-GB" dirty="0"/>
+          </a:p>
+        </p:txBody>
+      </p:sp>
+      <p:sp>
+        <p:nvSpPr>
+          <p:cNvPr id="7" name="Номер слайда 6"/>
+          <p:cNvSpPr>
+            <a:spLocks noGrp="1"/>
+          </p:cNvSpPr>
+          <p:nvPr>
+            <p:ph type="sldNum" sz="quarter" idx="12"/>
+          </p:nvPr>
+        </p:nvSpPr>
+        <p:spPr/>
+        <p:txBody>
+          <a:bodyPr/>
+          <a:lstStyle/>
+          <a:p>
+            <a:fld id="{EE1F7792-A6BD-42CB-A73F-454C1624610B}" type="slidenum">
+              <a:rPr lang="en-GB" smtClean="0"/>
+              <a:t>8</a:t>
+            </a:fld>
+            <a:endParaRPr lang="en-GB"/>
           </a:p>
         </p:txBody>
       </p:sp>
     </p:spTree>
     <p:extLst>
       <p:ext uri="{BB962C8B-B14F-4D97-AF65-F5344CB8AC3E}">
-        <p14:creationId xmlns:p14="http://schemas.microsoft.com/office/powerpoint/2010/main" val="4192181564"/>
+        <p14:creationId xmlns:p14="http://schemas.microsoft.com/office/powerpoint/2010/main" val="4292135235"/>
       </p:ext>
     </p:extLst>
   </p:cSld>
@@ -4845,16 +5693,18 @@
         </p:nvSpPr>
         <p:spPr/>
         <p:txBody>
-          <a:bodyPr/>
-          <a:lstStyle/>
-          <a:p>
+          <a:bodyPr>
+            <a:normAutofit fontScale="90000"/>
+          </a:bodyPr>
+          <a:lstStyle/>
+          <a:p>
+            <a:r>
+              <a:rPr lang="ru-RU" b="1" i="1" dirty="0"/>
+              <a:t>5) Отобразим общее количество заведений и количество заведений каждой категории по </a:t>
+            </a:r>
             <a:r>
               <a:rPr lang="ru-RU" b="1" i="1" dirty="0" smtClean="0"/>
-              <a:t>6) </a:t>
-            </a:r>
-            <a:r>
-              <a:rPr lang="ru-RU" b="1" i="1" dirty="0"/>
-              <a:t>Визуализируем распределение средних рейтингов по категориям заведений.</a:t>
+              <a:t>районам</a:t>
             </a:r>
             <a:endParaRPr lang="en-GB" dirty="0"/>
           </a:p>
@@ -4878,8 +5728,8 @@
         </p:blipFill>
         <p:spPr>
           <a:xfrm>
-            <a:off x="838200" y="2655323"/>
-            <a:ext cx="5181600" cy="2691942"/>
+            <a:off x="584887" y="2722921"/>
+            <a:ext cx="5181600" cy="2556745"/>
           </a:xfrm>
           <a:prstGeom prst="rect">
             <a:avLst/>
@@ -4898,45 +5748,69 @@
         </p:nvSpPr>
         <p:spPr/>
         <p:txBody>
-          <a:bodyPr/>
-          <a:lstStyle/>
-          <a:p>
-            <a:r>
-              <a:rPr lang="ru-RU" dirty="0" smtClean="0"/>
-              <a:t>строим фоновую картограмму (</a:t>
-            </a:r>
-            <a:r>
-              <a:rPr lang="ru-RU" dirty="0" err="1" smtClean="0"/>
-              <a:t>хороплет</a:t>
-            </a:r>
-            <a:r>
-              <a:rPr lang="ru-RU" dirty="0" smtClean="0"/>
-              <a:t>) со средним рейтингом заведений каждого </a:t>
-            </a:r>
-            <a:r>
-              <a:rPr lang="ru-RU" dirty="0" err="1" smtClean="0"/>
-              <a:t>районастроим</a:t>
-            </a:r>
-            <a:r>
-              <a:rPr lang="ru-RU" dirty="0" smtClean="0"/>
-              <a:t> фоновую картограмму (</a:t>
-            </a:r>
-            <a:r>
-              <a:rPr lang="ru-RU" dirty="0" err="1" smtClean="0"/>
-              <a:t>хороплет</a:t>
-            </a:r>
-            <a:r>
-              <a:rPr lang="ru-RU" dirty="0" smtClean="0"/>
-              <a:t>) со средним рейтингом заведений каждого района</a:t>
-            </a:r>
+          <a:bodyPr>
+            <a:normAutofit fontScale="92500" lnSpcReduction="10000"/>
+          </a:bodyPr>
+          <a:lstStyle/>
+          <a:p>
+            <a:pPr marL="0" indent="0">
+              <a:buNone/>
+            </a:pPr>
+            <a:r>
+              <a:rPr lang="ru-RU" b="1" dirty="0"/>
+              <a:t>Вывод:</a:t>
+            </a:r>
+            <a:endParaRPr lang="ru-RU" dirty="0"/>
+          </a:p>
+          <a:p>
+            <a:pPr marL="0" indent="0">
+              <a:buNone/>
+            </a:pPr>
+            <a:r>
+              <a:rPr lang="ru-RU" dirty="0"/>
+              <a:t>Ожидаемо больше всего заведений в ЦАО (Центральный административный округ), так же в нем в отличие от других районов, </a:t>
+            </a:r>
+            <a:r>
+              <a:rPr lang="ru-RU" dirty="0" err="1"/>
+              <a:t>бреобладают</a:t>
+            </a:r>
+            <a:r>
+              <a:rPr lang="ru-RU" dirty="0"/>
+              <a:t> рестораны. В остальных районах количество заведений не сильно разница, выделить можно только СЗАО (Северо-Западный административный округ) с наименьшим количеством заведений.</a:t>
+            </a:r>
+          </a:p>
+          <a:p>
             <a:endParaRPr lang="en-GB" dirty="0"/>
+          </a:p>
+        </p:txBody>
+      </p:sp>
+      <p:sp>
+        <p:nvSpPr>
+          <p:cNvPr id="7" name="Номер слайда 6"/>
+          <p:cNvSpPr>
+            <a:spLocks noGrp="1"/>
+          </p:cNvSpPr>
+          <p:nvPr>
+            <p:ph type="sldNum" sz="quarter" idx="12"/>
+          </p:nvPr>
+        </p:nvSpPr>
+        <p:spPr/>
+        <p:txBody>
+          <a:bodyPr/>
+          <a:lstStyle/>
+          <a:p>
+            <a:fld id="{EE1F7792-A6BD-42CB-A73F-454C1624610B}" type="slidenum">
+              <a:rPr lang="en-GB" smtClean="0"/>
+              <a:t>9</a:t>
+            </a:fld>
+            <a:endParaRPr lang="en-GB"/>
           </a:p>
         </p:txBody>
       </p:sp>
     </p:spTree>
     <p:extLst>
       <p:ext uri="{BB962C8B-B14F-4D97-AF65-F5344CB8AC3E}">
-        <p14:creationId xmlns:p14="http://schemas.microsoft.com/office/powerpoint/2010/main" val="1203349804"/>
+        <p14:creationId xmlns:p14="http://schemas.microsoft.com/office/powerpoint/2010/main" val="4192181564"/>
       </p:ext>
     </p:extLst>
   </p:cSld>
@@ -5205,4 +6079,265 @@
     </a:ext>
   </a:extLst>
 </a:theme>
+</file>
+
+<file path=ppt/theme/theme2.xml><?xml version="1.0" encoding="utf-8"?>
+<a:theme xmlns:a="http://schemas.openxmlformats.org/drawingml/2006/main" name="Тема Office">
+  <a:themeElements>
+    <a:clrScheme name="Стандартная">
+      <a:dk1>
+        <a:sysClr val="windowText" lastClr="000000"/>
+      </a:dk1>
+      <a:lt1>
+        <a:sysClr val="window" lastClr="FFFFFF"/>
+      </a:lt1>
+      <a:dk2>
+        <a:srgbClr val="44546A"/>
+      </a:dk2>
+      <a:lt2>
+        <a:srgbClr val="E7E6E6"/>
+      </a:lt2>
+      <a:accent1>
+        <a:srgbClr val="5B9BD5"/>
+      </a:accent1>
+      <a:accent2>
+        <a:srgbClr val="ED7D31"/>
+      </a:accent2>
+      <a:accent3>
+        <a:srgbClr val="A5A5A5"/>
+      </a:accent3>
+      <a:accent4>
+        <a:srgbClr val="FFC000"/>
+      </a:accent4>
+      <a:accent5>
+        <a:srgbClr val="4472C4"/>
+      </a:accent5>
+      <a:accent6>
+        <a:srgbClr val="70AD47"/>
+      </a:accent6>
+      <a:hlink>
+        <a:srgbClr val="0563C1"/>
+      </a:hlink>
+      <a:folHlink>
+        <a:srgbClr val="954F72"/>
+      </a:folHlink>
+    </a:clrScheme>
+    <a:fontScheme name="Стандартная">
+      <a:majorFont>
+        <a:latin typeface="Calibri Light" panose="020F0302020204030204"/>
+        <a:ea typeface=""/>
+        <a:cs typeface=""/>
+        <a:font script="Jpan" typeface="游ゴシック Light"/>
+        <a:font script="Hang" typeface="맑은 고딕"/>
+        <a:font script="Hans" typeface="等线 Light"/>
+        <a:font script="Hant" typeface="新細明體"/>
+        <a:font script="Arab" typeface="Times New Roman"/>
+        <a:font script="Hebr" typeface="Times New Roman"/>
+        <a:font script="Thai" typeface="Angsana New"/>
+        <a:font script="Ethi" typeface="Nyala"/>
+        <a:font script="Beng" typeface="Vrinda"/>
+        <a:font script="Gujr" typeface="Shruti"/>
+        <a:font script="Khmr" typeface="MoolBoran"/>
+        <a:font script="Knda" typeface="Tunga"/>
+        <a:font script="Guru" typeface="Raavi"/>
+        <a:font script="Cans" typeface="Euphemia"/>
+        <a:font script="Cher" typeface="Plantagenet Cherokee"/>
+        <a:font script="Yiii" typeface="Microsoft Yi Baiti"/>
+        <a:font script="Tibt" typeface="Microsoft Himalaya"/>
+        <a:font script="Thaa" typeface="MV Boli"/>
+        <a:font script="Deva" typeface="Mangal"/>
+        <a:font script="Telu" typeface="Gautami"/>
+        <a:font script="Taml" typeface="Latha"/>
+        <a:font script="Syrc" typeface="Estrangelo Edessa"/>
+        <a:font script="Orya" typeface="Kalinga"/>
+        <a:font script="Mlym" typeface="Kartika"/>
+        <a:font script="Laoo" typeface="DokChampa"/>
+        <a:font script="Sinh" typeface="Iskoola Pota"/>
+        <a:font script="Mong" typeface="Mongolian Baiti"/>
+        <a:font script="Viet" typeface="Times New Roman"/>
+        <a:font script="Uigh" typeface="Microsoft Uighur"/>
+        <a:font script="Geor" typeface="Sylfaen"/>
+      </a:majorFont>
+      <a:minorFont>
+        <a:latin typeface="Calibri" panose="020F0502020204030204"/>
+        <a:ea typeface=""/>
+        <a:cs typeface=""/>
+        <a:font script="Jpan" typeface="游ゴシック"/>
+        <a:font script="Hang" typeface="맑은 고딕"/>
+        <a:font script="Hans" typeface="等线"/>
+        <a:font script="Hant" typeface="新細明體"/>
+        <a:font script="Arab" typeface="Arial"/>
+        <a:font script="Hebr" typeface="Arial"/>
+        <a:font script="Thai" typeface="Cordia New"/>
+        <a:font script="Ethi" typeface="Nyala"/>
+        <a:font script="Beng" typeface="Vrinda"/>
+        <a:font script="Gujr" typeface="Shruti"/>
+        <a:font script="Khmr" typeface="DaunPenh"/>
+        <a:font script="Knda" typeface="Tunga"/>
+        <a:font script="Guru" typeface="Raavi"/>
+        <a:font script="Cans" typeface="Euphemia"/>
+        <a:font script="Cher" typeface="Plantagenet Cherokee"/>
+        <a:font script="Yiii" typeface="Microsoft Yi Baiti"/>
+        <a:font script="Tibt" typeface="Microsoft Himalaya"/>
+        <a:font script="Thaa" typeface="MV Boli"/>
+        <a:font script="Deva" typeface="Mangal"/>
+        <a:font script="Telu" typeface="Gautami"/>
+        <a:font script="Taml" typeface="Latha"/>
+        <a:font script="Syrc" typeface="Estrangelo Edessa"/>
+        <a:font script="Orya" typeface="Kalinga"/>
+        <a:font script="Mlym" typeface="Kartika"/>
+        <a:font script="Laoo" typeface="DokChampa"/>
+        <a:font script="Sinh" typeface="Iskoola Pota"/>
+        <a:font script="Mong" typeface="Mongolian Baiti"/>
+        <a:font script="Viet" typeface="Arial"/>
+        <a:font script="Uigh" typeface="Microsoft Uighur"/>
+        <a:font script="Geor" typeface="Sylfaen"/>
+      </a:minorFont>
+    </a:fontScheme>
+    <a:fmtScheme name="Стандартная">
+      <a:fillStyleLst>
+        <a:solidFill>
+          <a:schemeClr val="phClr"/>
+        </a:solidFill>
+        <a:gradFill rotWithShape="1">
+          <a:gsLst>
+            <a:gs pos="0">
+              <a:schemeClr val="phClr">
+                <a:lumMod val="110000"/>
+                <a:satMod val="105000"/>
+                <a:tint val="67000"/>
+              </a:schemeClr>
+            </a:gs>
+            <a:gs pos="50000">
+              <a:schemeClr val="phClr">
+                <a:lumMod val="105000"/>
+                <a:satMod val="103000"/>
+                <a:tint val="73000"/>
+              </a:schemeClr>
+            </a:gs>
+            <a:gs pos="100000">
+              <a:schemeClr val="phClr">
+                <a:lumMod val="105000"/>
+                <a:satMod val="109000"/>
+                <a:tint val="81000"/>
+              </a:schemeClr>
+            </a:gs>
+          </a:gsLst>
+          <a:lin ang="5400000" scaled="0"/>
+        </a:gradFill>
+        <a:gradFill rotWithShape="1">
+          <a:gsLst>
+            <a:gs pos="0">
+              <a:schemeClr val="phClr">
+                <a:satMod val="103000"/>
+                <a:lumMod val="102000"/>
+                <a:tint val="94000"/>
+              </a:schemeClr>
+            </a:gs>
+            <a:gs pos="50000">
+              <a:schemeClr val="phClr">
+                <a:satMod val="110000"/>
+                <a:lumMod val="100000"/>
+                <a:shade val="100000"/>
+              </a:schemeClr>
+            </a:gs>
+            <a:gs pos="100000">
+              <a:schemeClr val="phClr">
+                <a:lumMod val="99000"/>
+                <a:satMod val="120000"/>
+                <a:shade val="78000"/>
+              </a:schemeClr>
+            </a:gs>
+          </a:gsLst>
+          <a:lin ang="5400000" scaled="0"/>
+        </a:gradFill>
+      </a:fillStyleLst>
+      <a:lnStyleLst>
+        <a:ln w="6350" cap="flat" cmpd="sng" algn="ctr">
+          <a:solidFill>
+            <a:schemeClr val="phClr"/>
+          </a:solidFill>
+          <a:prstDash val="solid"/>
+          <a:miter lim="800000"/>
+        </a:ln>
+        <a:ln w="12700" cap="flat" cmpd="sng" algn="ctr">
+          <a:solidFill>
+            <a:schemeClr val="phClr"/>
+          </a:solidFill>
+          <a:prstDash val="solid"/>
+          <a:miter lim="800000"/>
+        </a:ln>
+        <a:ln w="19050" cap="flat" cmpd="sng" algn="ctr">
+          <a:solidFill>
+            <a:schemeClr val="phClr"/>
+          </a:solidFill>
+          <a:prstDash val="solid"/>
+          <a:miter lim="800000"/>
+        </a:ln>
+      </a:lnStyleLst>
+      <a:effectStyleLst>
+        <a:effectStyle>
+          <a:effectLst/>
+        </a:effectStyle>
+        <a:effectStyle>
+          <a:effectLst/>
+        </a:effectStyle>
+        <a:effectStyle>
+          <a:effectLst>
+            <a:outerShdw blurRad="57150" dist="19050" dir="5400000" algn="ctr" rotWithShape="0">
+              <a:srgbClr val="000000">
+                <a:alpha val="63000"/>
+              </a:srgbClr>
+            </a:outerShdw>
+          </a:effectLst>
+        </a:effectStyle>
+      </a:effectStyleLst>
+      <a:bgFillStyleLst>
+        <a:solidFill>
+          <a:schemeClr val="phClr"/>
+        </a:solidFill>
+        <a:solidFill>
+          <a:schemeClr val="phClr">
+            <a:tint val="95000"/>
+            <a:satMod val="170000"/>
+          </a:schemeClr>
+        </a:solidFill>
+        <a:gradFill rotWithShape="1">
+          <a:gsLst>
+            <a:gs pos="0">
+              <a:schemeClr val="phClr">
+                <a:tint val="93000"/>
+                <a:satMod val="150000"/>
+                <a:shade val="98000"/>
+                <a:lumMod val="102000"/>
+              </a:schemeClr>
+            </a:gs>
+            <a:gs pos="50000">
+              <a:schemeClr val="phClr">
+                <a:tint val="98000"/>
+                <a:satMod val="130000"/>
+                <a:shade val="90000"/>
+                <a:lumMod val="103000"/>
+              </a:schemeClr>
+            </a:gs>
+            <a:gs pos="100000">
+              <a:schemeClr val="phClr">
+                <a:shade val="63000"/>
+                <a:satMod val="120000"/>
+              </a:schemeClr>
+            </a:gs>
+          </a:gsLst>
+          <a:lin ang="5400000" scaled="0"/>
+        </a:gradFill>
+      </a:bgFillStyleLst>
+    </a:fmtScheme>
+  </a:themeElements>
+  <a:objectDefaults/>
+  <a:extraClrSchemeLst/>
+  <a:extLst>
+    <a:ext uri="{05A4C25C-085E-4340-85A3-A5531E510DB2}">
+      <thm15:themeFamily xmlns:thm15="http://schemas.microsoft.com/office/thememl/2012/main" name="Office Theme" id="{62F939B6-93AF-4DB8-9C6B-D6C7DFDC589F}" vid="{4A3C46E8-61CC-4603-A589-7422A47A8E4A}"/>
+    </a:ext>
+  </a:extLst>
+</a:theme>
 </file>